--- a/Презентация6.pptx
+++ b/Презентация6.pptx
@@ -21,14 +21,16 @@
     <p:sldId id="269" r:id="rId15"/>
     <p:sldId id="271" r:id="rId16"/>
     <p:sldId id="270" r:id="rId17"/>
-    <p:sldId id="272" r:id="rId18"/>
-    <p:sldId id="273" r:id="rId19"/>
-    <p:sldId id="274" r:id="rId20"/>
-    <p:sldId id="275" r:id="rId21"/>
-    <p:sldId id="276" r:id="rId22"/>
-    <p:sldId id="277" r:id="rId23"/>
-    <p:sldId id="278" r:id="rId24"/>
-    <p:sldId id="279" r:id="rId25"/>
+    <p:sldId id="280" r:id="rId18"/>
+    <p:sldId id="272" r:id="rId19"/>
+    <p:sldId id="273" r:id="rId20"/>
+    <p:sldId id="274" r:id="rId21"/>
+    <p:sldId id="275" r:id="rId22"/>
+    <p:sldId id="276" r:id="rId23"/>
+    <p:sldId id="277" r:id="rId24"/>
+    <p:sldId id="278" r:id="rId25"/>
+    <p:sldId id="279" r:id="rId26"/>
+    <p:sldId id="281" r:id="rId27"/>
   </p:sldIdLst>
   <p:sldSz cx="12192000" cy="6858000"/>
   <p:notesSz cx="6858000" cy="9144000"/>
@@ -266,7 +268,7 @@
           <a:p>
             <a:fld id="{FC830E70-4674-4225-85C0-67806EE16295}" type="datetimeFigureOut">
               <a:rPr lang="ru-RU" smtClean="0"/>
-              <a:t>04.12.2023</a:t>
+              <a:t>11.12.2023</a:t>
             </a:fld>
             <a:endParaRPr lang="ru-RU"/>
           </a:p>
@@ -436,7 +438,7 @@
           <a:p>
             <a:fld id="{FC830E70-4674-4225-85C0-67806EE16295}" type="datetimeFigureOut">
               <a:rPr lang="ru-RU" smtClean="0"/>
-              <a:t>04.12.2023</a:t>
+              <a:t>11.12.2023</a:t>
             </a:fld>
             <a:endParaRPr lang="ru-RU"/>
           </a:p>
@@ -616,7 +618,7 @@
           <a:p>
             <a:fld id="{FC830E70-4674-4225-85C0-67806EE16295}" type="datetimeFigureOut">
               <a:rPr lang="ru-RU" smtClean="0"/>
-              <a:t>04.12.2023</a:t>
+              <a:t>11.12.2023</a:t>
             </a:fld>
             <a:endParaRPr lang="ru-RU"/>
           </a:p>
@@ -786,7 +788,7 @@
           <a:p>
             <a:fld id="{FC830E70-4674-4225-85C0-67806EE16295}" type="datetimeFigureOut">
               <a:rPr lang="ru-RU" smtClean="0"/>
-              <a:t>04.12.2023</a:t>
+              <a:t>11.12.2023</a:t>
             </a:fld>
             <a:endParaRPr lang="ru-RU"/>
           </a:p>
@@ -1032,7 +1034,7 @@
           <a:p>
             <a:fld id="{FC830E70-4674-4225-85C0-67806EE16295}" type="datetimeFigureOut">
               <a:rPr lang="ru-RU" smtClean="0"/>
-              <a:t>04.12.2023</a:t>
+              <a:t>11.12.2023</a:t>
             </a:fld>
             <a:endParaRPr lang="ru-RU"/>
           </a:p>
@@ -1264,7 +1266,7 @@
           <a:p>
             <a:fld id="{FC830E70-4674-4225-85C0-67806EE16295}" type="datetimeFigureOut">
               <a:rPr lang="ru-RU" smtClean="0"/>
-              <a:t>04.12.2023</a:t>
+              <a:t>11.12.2023</a:t>
             </a:fld>
             <a:endParaRPr lang="ru-RU"/>
           </a:p>
@@ -1631,7 +1633,7 @@
           <a:p>
             <a:fld id="{FC830E70-4674-4225-85C0-67806EE16295}" type="datetimeFigureOut">
               <a:rPr lang="ru-RU" smtClean="0"/>
-              <a:t>04.12.2023</a:t>
+              <a:t>11.12.2023</a:t>
             </a:fld>
             <a:endParaRPr lang="ru-RU"/>
           </a:p>
@@ -1749,7 +1751,7 @@
           <a:p>
             <a:fld id="{FC830E70-4674-4225-85C0-67806EE16295}" type="datetimeFigureOut">
               <a:rPr lang="ru-RU" smtClean="0"/>
-              <a:t>04.12.2023</a:t>
+              <a:t>11.12.2023</a:t>
             </a:fld>
             <a:endParaRPr lang="ru-RU"/>
           </a:p>
@@ -1844,7 +1846,7 @@
           <a:p>
             <a:fld id="{FC830E70-4674-4225-85C0-67806EE16295}" type="datetimeFigureOut">
               <a:rPr lang="ru-RU" smtClean="0"/>
-              <a:t>04.12.2023</a:t>
+              <a:t>11.12.2023</a:t>
             </a:fld>
             <a:endParaRPr lang="ru-RU"/>
           </a:p>
@@ -2121,7 +2123,7 @@
           <a:p>
             <a:fld id="{FC830E70-4674-4225-85C0-67806EE16295}" type="datetimeFigureOut">
               <a:rPr lang="ru-RU" smtClean="0"/>
-              <a:t>04.12.2023</a:t>
+              <a:t>11.12.2023</a:t>
             </a:fld>
             <a:endParaRPr lang="ru-RU"/>
           </a:p>
@@ -2374,7 +2376,7 @@
           <a:p>
             <a:fld id="{FC830E70-4674-4225-85C0-67806EE16295}" type="datetimeFigureOut">
               <a:rPr lang="ru-RU" smtClean="0"/>
-              <a:t>04.12.2023</a:t>
+              <a:t>11.12.2023</a:t>
             </a:fld>
             <a:endParaRPr lang="ru-RU"/>
           </a:p>
@@ -2587,7 +2589,7 @@
           <a:p>
             <a:fld id="{FC830E70-4674-4225-85C0-67806EE16295}" type="datetimeFigureOut">
               <a:rPr lang="ru-RU" smtClean="0"/>
-              <a:t>04.12.2023</a:t>
+              <a:t>11.12.2023</a:t>
             </a:fld>
             <a:endParaRPr lang="ru-RU"/>
           </a:p>
@@ -3098,7 +3100,6 @@
               <a:rPr lang="ru-RU" dirty="0"/>
               <a:t>файл.</a:t>
             </a:r>
-            <a:endParaRPr lang="ru-RU" dirty="0"/>
           </a:p>
         </p:txBody>
       </p:sp>
@@ -4295,12 +4296,12 @@
       </p:grpSpPr>
       <p:sp>
         <p:nvSpPr>
-          <p:cNvPr id="2" name="Заголовок 1"/>
-          <p:cNvSpPr>
-            <a:spLocks noGrp="1"/>
-          </p:cNvSpPr>
-          <p:nvPr>
-            <p:ph type="title"/>
+          <p:cNvPr id="3" name="Объект 2"/>
+          <p:cNvSpPr>
+            <a:spLocks noGrp="1"/>
+          </p:cNvSpPr>
+          <p:nvPr>
+            <p:ph idx="1"/>
           </p:nvPr>
         </p:nvSpPr>
         <p:spPr/>
@@ -4308,59 +4309,132 @@
           <a:bodyPr/>
           <a:lstStyle/>
           <a:p>
-            <a:r>
-              <a:rPr lang="ru-RU" b="1" dirty="0" smtClean="0"/>
-              <a:t>Метод</a:t>
-            </a:r>
-            <a:r>
-              <a:rPr lang="en-US" b="1" dirty="0" smtClean="0"/>
+            <a:pPr>
+              <a:buNone/>
+            </a:pPr>
+            <a:r>
+              <a:rPr lang="en-US" dirty="0">
+                <a:solidFill>
+                  <a:srgbClr val="FF0000"/>
+                </a:solidFill>
+              </a:rPr>
+              <a:t>	</a:t>
+            </a:r>
+            <a:r>
+              <a:rPr lang="ru-RU" dirty="0" err="1">
+                <a:solidFill>
+                  <a:srgbClr val="FF0000"/>
+                </a:solidFill>
+              </a:rPr>
+              <a:t>S.lstrip</a:t>
+            </a:r>
+            <a:r>
+              <a:rPr lang="ru-RU" dirty="0">
+                <a:solidFill>
+                  <a:srgbClr val="FF0000"/>
+                </a:solidFill>
+              </a:rPr>
+              <a:t>([</a:t>
+            </a:r>
+            <a:r>
+              <a:rPr lang="ru-RU" dirty="0" err="1">
+                <a:solidFill>
+                  <a:srgbClr val="FF0000"/>
+                </a:solidFill>
+              </a:rPr>
+              <a:t>chars</a:t>
+            </a:r>
+            <a:r>
+              <a:rPr lang="ru-RU" dirty="0">
+                <a:solidFill>
+                  <a:srgbClr val="FF0000"/>
+                </a:solidFill>
+              </a:rPr>
+              <a:t>]) </a:t>
+            </a:r>
+            <a:r>
+              <a:rPr lang="ru-RU" dirty="0"/>
+              <a:t>Удаление пробельных символов в начале строки</a:t>
+            </a:r>
+            <a:endParaRPr lang="en-US" dirty="0"/>
+          </a:p>
+          <a:p>
+            <a:pPr>
+              <a:buNone/>
+            </a:pPr>
+            <a:endParaRPr lang="en-US" dirty="0"/>
+          </a:p>
+          <a:p>
+            <a:pPr>
+              <a:buNone/>
+            </a:pPr>
+            <a:r>
+              <a:rPr lang="en-US" dirty="0"/>
+              <a:t>	</a:t>
+            </a:r>
+            <a:r>
+              <a:rPr lang="ru-RU" dirty="0"/>
               <a:t> </a:t>
             </a:r>
             <a:r>
-              <a:rPr lang="en-US" b="1" dirty="0" smtClean="0">
-                <a:solidFill>
-                  <a:srgbClr val="FF0000"/>
-                </a:solidFill>
-              </a:rPr>
-              <a:t>split()</a:t>
-            </a:r>
-            <a:endParaRPr lang="ru-RU" dirty="0">
-              <a:solidFill>
-                <a:srgbClr val="FF0000"/>
-              </a:solidFill>
-            </a:endParaRPr>
-          </a:p>
-        </p:txBody>
-      </p:sp>
-      <p:sp>
-        <p:nvSpPr>
-          <p:cNvPr id="3" name="Объект 2"/>
-          <p:cNvSpPr>
-            <a:spLocks noGrp="1"/>
-          </p:cNvSpPr>
-          <p:nvPr>
-            <p:ph idx="1"/>
-          </p:nvPr>
-        </p:nvSpPr>
-        <p:spPr/>
-        <p:txBody>
-          <a:bodyPr>
-            <a:normAutofit/>
-          </a:bodyPr>
-          <a:lstStyle/>
-          <a:p>
-            <a:pPr marL="0" indent="0">
-              <a:buNone/>
-            </a:pPr>
+              <a:rPr lang="ru-RU" dirty="0" err="1">
+                <a:solidFill>
+                  <a:srgbClr val="FF0000"/>
+                </a:solidFill>
+              </a:rPr>
+              <a:t>S.rstrip</a:t>
+            </a:r>
+            <a:r>
+              <a:rPr lang="ru-RU" dirty="0">
+                <a:solidFill>
+                  <a:srgbClr val="FF0000"/>
+                </a:solidFill>
+              </a:rPr>
+              <a:t>([</a:t>
+            </a:r>
+            <a:r>
+              <a:rPr lang="ru-RU" dirty="0" err="1">
+                <a:solidFill>
+                  <a:srgbClr val="FF0000"/>
+                </a:solidFill>
+              </a:rPr>
+              <a:t>chars</a:t>
+            </a:r>
+            <a:r>
+              <a:rPr lang="ru-RU" dirty="0">
+                <a:solidFill>
+                  <a:srgbClr val="FF0000"/>
+                </a:solidFill>
+              </a:rPr>
+              <a:t>]) </a:t>
+            </a:r>
+            <a:r>
+              <a:rPr lang="ru-RU" dirty="0"/>
+              <a:t>Удаление пробельных символов в конце строки</a:t>
+            </a:r>
             <a:endParaRPr lang="en-US" dirty="0"/>
           </a:p>
           <a:p>
-            <a:pPr marL="0" indent="0">
-              <a:buNone/>
-            </a:pPr>
-            <a:r>
-              <a:rPr lang="ru-RU" dirty="0" smtClean="0"/>
-              <a:t>Функция </a:t>
+            <a:pPr>
+              <a:buNone/>
+            </a:pPr>
+            <a:endParaRPr lang="en-US" dirty="0"/>
+          </a:p>
+          <a:p>
+            <a:pPr>
+              <a:buNone/>
+            </a:pPr>
+            <a:r>
+              <a:rPr lang="en-US" dirty="0"/>
+              <a:t>	</a:t>
+            </a:r>
+            <a:r>
+              <a:rPr lang="ru-RU" dirty="0">
+                <a:solidFill>
+                  <a:srgbClr val="FF0000"/>
+                </a:solidFill>
+              </a:rPr>
+              <a:t> </a:t>
             </a:r>
             <a:r>
               <a:rPr lang="ru-RU" dirty="0" err="1">
@@ -4368,72 +4442,35 @@
                   <a:srgbClr val="FF0000"/>
                 </a:solidFill>
               </a:rPr>
-              <a:t>split</a:t>
+              <a:t>S.strip</a:t>
+            </a:r>
+            <a:r>
+              <a:rPr lang="ru-RU" dirty="0">
+                <a:solidFill>
+                  <a:srgbClr val="FF0000"/>
+                </a:solidFill>
+              </a:rPr>
+              <a:t>([</a:t>
+            </a:r>
+            <a:r>
+              <a:rPr lang="ru-RU" dirty="0" err="1">
+                <a:solidFill>
+                  <a:srgbClr val="FF0000"/>
+                </a:solidFill>
+              </a:rPr>
+              <a:t>chars</a:t>
+            </a:r>
+            <a:r>
+              <a:rPr lang="ru-RU" dirty="0">
+                <a:solidFill>
+                  <a:srgbClr val="FF0000"/>
+                </a:solidFill>
+              </a:rPr>
+              <a:t>]) </a:t>
             </a:r>
             <a:r>
               <a:rPr lang="ru-RU" dirty="0"/>
-              <a:t> сканирует всю строку и разделяет ее в случае нахождения разделителя.</a:t>
-            </a:r>
-          </a:p>
-          <a:p>
-            <a:pPr marL="0" indent="0">
-              <a:buNone/>
-            </a:pPr>
-            <a:r>
-              <a:rPr lang="ru-RU" dirty="0"/>
-              <a:t>В строке должен быть как минимум один разделитель. Им может выступать в </a:t>
-            </a:r>
-            <a:r>
-              <a:rPr lang="ru-RU" dirty="0" smtClean="0"/>
-              <a:t>том</a:t>
-            </a:r>
-            <a:r>
-              <a:rPr lang="en-US" dirty="0" smtClean="0"/>
-              <a:t> </a:t>
-            </a:r>
-            <a:r>
-              <a:rPr lang="ru-RU" dirty="0" smtClean="0"/>
-              <a:t>числе </a:t>
-            </a:r>
-            <a:r>
-              <a:rPr lang="ru-RU" dirty="0"/>
-              <a:t>и символ пробела. Пробел — разделитель по умолчанию</a:t>
-            </a:r>
-            <a:r>
-              <a:rPr lang="ru-RU" dirty="0" smtClean="0"/>
-              <a:t>.</a:t>
-            </a:r>
-            <a:endParaRPr lang="ru-RU" dirty="0"/>
-          </a:p>
-          <a:p>
-            <a:pPr marL="0" indent="0">
-              <a:buNone/>
-            </a:pPr>
-            <a:endParaRPr lang="en-US" dirty="0"/>
-          </a:p>
-          <a:p>
-            <a:pPr marL="0" indent="0">
-              <a:buNone/>
-            </a:pPr>
-            <a:r>
-              <a:rPr lang="ru-RU" dirty="0" smtClean="0"/>
-              <a:t>Если </a:t>
-            </a:r>
-            <a:r>
-              <a:rPr lang="ru-RU" dirty="0"/>
-              <a:t>параметр на задать, то разделение будет выполнено именно по </a:t>
-            </a:r>
-            <a:r>
-              <a:rPr lang="ru-RU" dirty="0" smtClean="0"/>
-              <a:t>символу</a:t>
-            </a:r>
-            <a:r>
-              <a:rPr lang="en-US" dirty="0" smtClean="0"/>
-              <a:t> </a:t>
-            </a:r>
-            <a:r>
-              <a:rPr lang="ru-RU" dirty="0" smtClean="0"/>
-              <a:t>пробела.</a:t>
+              <a:t>Удаление пробельных символов в начале и конце</a:t>
             </a:r>
             <a:endParaRPr lang="ru-RU" dirty="0"/>
           </a:p>
@@ -4442,7 +4479,7 @@
     </p:spTree>
     <p:extLst>
       <p:ext uri="{BB962C8B-B14F-4D97-AF65-F5344CB8AC3E}">
-        <p14:creationId xmlns:p14="http://schemas.microsoft.com/office/powerpoint/2010/main" val="3039387869"/>
+        <p14:creationId xmlns:p14="http://schemas.microsoft.com/office/powerpoint/2010/main" val="3062844402"/>
       </p:ext>
     </p:extLst>
   </p:cSld>
@@ -4471,253 +4508,34 @@
       </p:grpSpPr>
       <p:sp>
         <p:nvSpPr>
-          <p:cNvPr id="3" name="Объект 2"/>
-          <p:cNvSpPr>
-            <a:spLocks noGrp="1"/>
-          </p:cNvSpPr>
-          <p:nvPr>
-            <p:ph idx="1"/>
-          </p:nvPr>
-        </p:nvSpPr>
-        <p:spPr>
-          <a:xfrm>
-            <a:off x="838200" y="358923"/>
-            <a:ext cx="10515600" cy="5818040"/>
-          </a:xfrm>
-        </p:spPr>
+          <p:cNvPr id="2" name="Заголовок 1"/>
+          <p:cNvSpPr>
+            <a:spLocks noGrp="1"/>
+          </p:cNvSpPr>
+          <p:nvPr>
+            <p:ph type="title"/>
+          </p:nvPr>
+        </p:nvSpPr>
+        <p:spPr/>
         <p:txBody>
           <a:bodyPr/>
           <a:lstStyle/>
           <a:p>
-            <a:pPr marL="0" indent="0">
-              <a:buNone/>
-            </a:pPr>
-            <a:r>
-              <a:rPr lang="en-US" dirty="0" err="1">
-                <a:solidFill>
-                  <a:srgbClr val="FF0000"/>
-                </a:solidFill>
-              </a:rPr>
-              <a:t>string.split</a:t>
-            </a:r>
-            <a:r>
-              <a:rPr lang="en-US" dirty="0">
-                <a:solidFill>
-                  <a:srgbClr val="FF0000"/>
-                </a:solidFill>
-              </a:rPr>
-              <a:t>(separator*, </a:t>
-            </a:r>
-            <a:r>
-              <a:rPr lang="en-US" dirty="0" err="1">
-                <a:solidFill>
-                  <a:srgbClr val="FF0000"/>
-                </a:solidFill>
-              </a:rPr>
-              <a:t>maxsplit</a:t>
-            </a:r>
-            <a:r>
-              <a:rPr lang="en-US" dirty="0" smtClean="0">
-                <a:solidFill>
-                  <a:srgbClr val="FF0000"/>
-                </a:solidFill>
-              </a:rPr>
-              <a:t>*)</a:t>
-            </a:r>
-          </a:p>
-          <a:p>
-            <a:pPr marL="0" indent="0">
-              <a:buNone/>
-            </a:pPr>
-            <a:endParaRPr lang="en-US" dirty="0">
-              <a:solidFill>
-                <a:srgbClr val="FF0000"/>
-              </a:solidFill>
-            </a:endParaRPr>
-          </a:p>
-          <a:p>
-            <a:pPr marL="0" indent="0">
-              <a:buNone/>
-            </a:pPr>
-            <a:r>
-              <a:rPr lang="ru-RU" dirty="0"/>
-              <a:t>Параметр </a:t>
-            </a:r>
-            <a:r>
-              <a:rPr lang="ru-RU" dirty="0" err="1">
-                <a:solidFill>
-                  <a:srgbClr val="FF0000"/>
-                </a:solidFill>
-              </a:rPr>
-              <a:t>separator</a:t>
-            </a:r>
-            <a:r>
-              <a:rPr lang="ru-RU" dirty="0"/>
-              <a:t> — необязательный, но он позволяет задать </a:t>
-            </a:r>
-            <a:r>
-              <a:rPr lang="ru-RU" dirty="0" smtClean="0"/>
-              <a:t>разделитель</a:t>
-            </a:r>
-            <a:r>
-              <a:rPr lang="en-US" dirty="0" smtClean="0"/>
+            <a:r>
+              <a:rPr lang="ru-RU" b="1" dirty="0" smtClean="0"/>
+              <a:t>Метод</a:t>
+            </a:r>
+            <a:r>
+              <a:rPr lang="en-US" b="1" dirty="0" smtClean="0"/>
               <a:t> </a:t>
             </a:r>
             <a:r>
-              <a:rPr lang="ru-RU" dirty="0" smtClean="0"/>
-              <a:t>вручную</a:t>
-            </a:r>
-            <a:r>
-              <a:rPr lang="ru-RU" dirty="0"/>
-              <a:t>.</a:t>
-            </a:r>
-          </a:p>
-          <a:p>
-            <a:pPr marL="0" indent="0">
-              <a:buNone/>
-            </a:pPr>
-            <a:endParaRPr lang="ru-RU" dirty="0"/>
-          </a:p>
-          <a:p>
-            <a:pPr marL="0" indent="0">
-              <a:buNone/>
-            </a:pPr>
-            <a:r>
-              <a:rPr lang="ru-RU" dirty="0"/>
-              <a:t>Параметр </a:t>
-            </a:r>
-            <a:r>
-              <a:rPr lang="ru-RU" dirty="0" err="1">
-                <a:solidFill>
-                  <a:srgbClr val="FF0000"/>
-                </a:solidFill>
-              </a:rPr>
-              <a:t>maxsplit</a:t>
-            </a:r>
-            <a:r>
-              <a:rPr lang="ru-RU" dirty="0"/>
-              <a:t> определяет максимальное количество разделений. Значение </a:t>
-            </a:r>
-            <a:r>
-              <a:rPr lang="ru-RU" dirty="0" smtClean="0"/>
-              <a:t>по</a:t>
-            </a:r>
-            <a:r>
-              <a:rPr lang="en-US" dirty="0" smtClean="0"/>
-              <a:t> </a:t>
-            </a:r>
-            <a:r>
-              <a:rPr lang="ru-RU" dirty="0" smtClean="0"/>
-              <a:t>умолчанию </a:t>
-            </a:r>
-            <a:r>
-              <a:rPr lang="ru-RU" dirty="0"/>
-              <a:t>— </a:t>
-            </a:r>
-            <a:r>
-              <a:rPr lang="ru-RU" dirty="0">
-                <a:solidFill>
-                  <a:srgbClr val="FF0000"/>
-                </a:solidFill>
-              </a:rPr>
-              <a:t>-1</a:t>
-            </a:r>
-            <a:r>
-              <a:rPr lang="ru-RU" dirty="0"/>
-              <a:t>, будут выполнены все </a:t>
-            </a:r>
-            <a:r>
-              <a:rPr lang="ru-RU" dirty="0" smtClean="0"/>
-              <a:t>разделения.</a:t>
-            </a:r>
-            <a:endParaRPr lang="en-US" dirty="0"/>
-          </a:p>
-          <a:p>
-            <a:pPr marL="0" indent="0">
-              <a:buNone/>
-            </a:pPr>
-            <a:endParaRPr lang="en-US" dirty="0" smtClean="0"/>
-          </a:p>
-          <a:p>
-            <a:pPr marL="0" indent="0">
-              <a:buNone/>
-            </a:pPr>
-            <a:r>
-              <a:rPr lang="en-US" dirty="0" err="1">
-                <a:solidFill>
-                  <a:srgbClr val="FF0000"/>
-                </a:solidFill>
-              </a:rPr>
-              <a:t>my_st</a:t>
-            </a:r>
-            <a:r>
-              <a:rPr lang="en-US" dirty="0">
-                <a:solidFill>
-                  <a:srgbClr val="FF0000"/>
-                </a:solidFill>
-              </a:rPr>
-              <a:t> = "</a:t>
-            </a:r>
-            <a:r>
-              <a:rPr lang="en-US" dirty="0" err="1">
-                <a:solidFill>
-                  <a:srgbClr val="FF0000"/>
-                </a:solidFill>
-              </a:rPr>
-              <a:t>Пример</a:t>
-            </a:r>
-            <a:r>
-              <a:rPr lang="en-US" dirty="0">
-                <a:solidFill>
-                  <a:srgbClr val="FF0000"/>
-                </a:solidFill>
-              </a:rPr>
-              <a:t> </a:t>
-            </a:r>
-            <a:r>
-              <a:rPr lang="en-US" dirty="0" err="1">
-                <a:solidFill>
-                  <a:srgbClr val="FF0000"/>
-                </a:solidFill>
-              </a:rPr>
-              <a:t>строки</a:t>
-            </a:r>
-            <a:r>
-              <a:rPr lang="en-US" dirty="0">
-                <a:solidFill>
-                  <a:srgbClr val="FF0000"/>
-                </a:solidFill>
-              </a:rPr>
-              <a:t> Python"</a:t>
-            </a:r>
-          </a:p>
-          <a:p>
-            <a:pPr marL="0" indent="0">
-              <a:buNone/>
-            </a:pPr>
-            <a:r>
-              <a:rPr lang="en-US" dirty="0">
-                <a:solidFill>
-                  <a:srgbClr val="FF0000"/>
-                </a:solidFill>
-              </a:rPr>
-              <a:t>print(</a:t>
-            </a:r>
-            <a:r>
-              <a:rPr lang="en-US" dirty="0" err="1">
-                <a:solidFill>
-                  <a:srgbClr val="FF0000"/>
-                </a:solidFill>
-              </a:rPr>
-              <a:t>my_st.split</a:t>
-            </a:r>
-            <a:r>
-              <a:rPr lang="en-US" dirty="0">
-                <a:solidFill>
-                  <a:srgbClr val="FF0000"/>
-                </a:solidFill>
-              </a:rPr>
-              <a:t>())</a:t>
+              <a:rPr lang="en-US" b="1" dirty="0" smtClean="0">
+                <a:solidFill>
+                  <a:srgbClr val="FF0000"/>
+                </a:solidFill>
+              </a:rPr>
+              <a:t>split()</a:t>
             </a:r>
             <a:endParaRPr lang="ru-RU" dirty="0">
               <a:solidFill>
@@ -4727,10 +4545,117 @@
           </a:p>
         </p:txBody>
       </p:sp>
+      <p:sp>
+        <p:nvSpPr>
+          <p:cNvPr id="3" name="Объект 2"/>
+          <p:cNvSpPr>
+            <a:spLocks noGrp="1"/>
+          </p:cNvSpPr>
+          <p:nvPr>
+            <p:ph idx="1"/>
+          </p:nvPr>
+        </p:nvSpPr>
+        <p:spPr/>
+        <p:txBody>
+          <a:bodyPr>
+            <a:normAutofit/>
+          </a:bodyPr>
+          <a:lstStyle/>
+          <a:p>
+            <a:pPr marL="0" indent="0">
+              <a:buNone/>
+            </a:pPr>
+            <a:endParaRPr lang="en-US" dirty="0"/>
+          </a:p>
+          <a:p>
+            <a:pPr marL="0" indent="0">
+              <a:buNone/>
+            </a:pPr>
+            <a:r>
+              <a:rPr lang="ru-RU" dirty="0" smtClean="0"/>
+              <a:t>Функция </a:t>
+            </a:r>
+            <a:r>
+              <a:rPr lang="ru-RU" dirty="0" err="1">
+                <a:solidFill>
+                  <a:srgbClr val="FF0000"/>
+                </a:solidFill>
+              </a:rPr>
+              <a:t>split</a:t>
+            </a:r>
+            <a:r>
+              <a:rPr lang="ru-RU" dirty="0"/>
+              <a:t> сканирует всю строку и разделяет ее в случае нахождения разделителя.</a:t>
+            </a:r>
+          </a:p>
+          <a:p>
+            <a:pPr marL="0" indent="0">
+              <a:buNone/>
+            </a:pPr>
+            <a:r>
+              <a:rPr lang="ru-RU" dirty="0"/>
+              <a:t>В строке должен быть как минимум один разделитель. Им может выступать в </a:t>
+            </a:r>
+            <a:r>
+              <a:rPr lang="ru-RU" dirty="0" smtClean="0"/>
+              <a:t>том</a:t>
+            </a:r>
+            <a:r>
+              <a:rPr lang="en-US" dirty="0" smtClean="0"/>
+              <a:t> </a:t>
+            </a:r>
+            <a:r>
+              <a:rPr lang="ru-RU" dirty="0" smtClean="0"/>
+              <a:t>числе </a:t>
+            </a:r>
+            <a:r>
+              <a:rPr lang="ru-RU" dirty="0"/>
+              <a:t>и символ пробела. Пробел — разделитель по умолчанию</a:t>
+            </a:r>
+            <a:r>
+              <a:rPr lang="ru-RU" dirty="0" smtClean="0"/>
+              <a:t>.</a:t>
+            </a:r>
+            <a:endParaRPr lang="ru-RU" dirty="0"/>
+          </a:p>
+          <a:p>
+            <a:pPr marL="0" indent="0">
+              <a:buNone/>
+            </a:pPr>
+            <a:endParaRPr lang="en-US" dirty="0"/>
+          </a:p>
+          <a:p>
+            <a:pPr marL="0" indent="0">
+              <a:buNone/>
+            </a:pPr>
+            <a:r>
+              <a:rPr lang="ru-RU" dirty="0" smtClean="0"/>
+              <a:t>Если </a:t>
+            </a:r>
+            <a:r>
+              <a:rPr lang="ru-RU" dirty="0"/>
+              <a:t>параметр на задать, то разделение будет выполнено именно по </a:t>
+            </a:r>
+            <a:r>
+              <a:rPr lang="ru-RU" dirty="0" smtClean="0"/>
+              <a:t>символу</a:t>
+            </a:r>
+            <a:r>
+              <a:rPr lang="en-US" dirty="0" smtClean="0"/>
+              <a:t> </a:t>
+            </a:r>
+            <a:r>
+              <a:rPr lang="ru-RU" dirty="0" smtClean="0"/>
+              <a:t>пробела.</a:t>
+            </a:r>
+            <a:endParaRPr lang="ru-RU" dirty="0"/>
+          </a:p>
+        </p:txBody>
+      </p:sp>
     </p:spTree>
     <p:extLst>
       <p:ext uri="{BB962C8B-B14F-4D97-AF65-F5344CB8AC3E}">
-        <p14:creationId xmlns:p14="http://schemas.microsoft.com/office/powerpoint/2010/main" val="4186590598"/>
+        <p14:creationId xmlns:p14="http://schemas.microsoft.com/office/powerpoint/2010/main" val="3039387869"/>
       </p:ext>
     </p:extLst>
   </p:cSld>
@@ -4759,84 +4684,50 @@
       </p:grpSpPr>
       <p:sp>
         <p:nvSpPr>
-          <p:cNvPr id="2" name="Заголовок 1"/>
-          <p:cNvSpPr>
-            <a:spLocks noGrp="1"/>
-          </p:cNvSpPr>
-          <p:nvPr>
-            <p:ph type="title"/>
-          </p:nvPr>
-        </p:nvSpPr>
-        <p:spPr/>
+          <p:cNvPr id="3" name="Объект 2"/>
+          <p:cNvSpPr>
+            <a:spLocks noGrp="1"/>
+          </p:cNvSpPr>
+          <p:nvPr>
+            <p:ph idx="1"/>
+          </p:nvPr>
+        </p:nvSpPr>
+        <p:spPr>
+          <a:xfrm>
+            <a:off x="838200" y="358923"/>
+            <a:ext cx="10515600" cy="5818040"/>
+          </a:xfrm>
+        </p:spPr>
         <p:txBody>
           <a:bodyPr/>
           <a:lstStyle/>
           <a:p>
-            <a:r>
-              <a:rPr lang="ru-RU" b="1" dirty="0"/>
-              <a:t>Разделение строк по нескольким разделителям</a:t>
-            </a:r>
-          </a:p>
-        </p:txBody>
-      </p:sp>
-      <p:sp>
-        <p:nvSpPr>
-          <p:cNvPr id="3" name="Объект 2"/>
-          <p:cNvSpPr>
-            <a:spLocks noGrp="1"/>
-          </p:cNvSpPr>
-          <p:nvPr>
-            <p:ph idx="1"/>
-          </p:nvPr>
-        </p:nvSpPr>
-        <p:spPr/>
-        <p:txBody>
-          <a:bodyPr>
-            <a:normAutofit fontScale="92500" lnSpcReduction="20000"/>
-          </a:bodyPr>
-          <a:lstStyle/>
-          <a:p>
-            <a:pPr marL="0" indent="0">
-              <a:buNone/>
-            </a:pPr>
-            <a:r>
-              <a:rPr lang="ru-RU" dirty="0"/>
-              <a:t>В </a:t>
-            </a:r>
-            <a:r>
-              <a:rPr lang="ru-RU" dirty="0" err="1"/>
-              <a:t>Python</a:t>
-            </a:r>
-            <a:r>
-              <a:rPr lang="ru-RU" dirty="0"/>
-              <a:t> можно использовать даже несколько разделителей. Для этого просто требуется передать несколько символов в качестве разделителей функции </a:t>
-            </a:r>
-            <a:r>
-              <a:rPr lang="ru-RU" dirty="0" err="1">
-                <a:solidFill>
-                  <a:srgbClr val="FF0000"/>
-                </a:solidFill>
-              </a:rPr>
-              <a:t>split</a:t>
-            </a:r>
-            <a:r>
-              <a:rPr lang="ru-RU" dirty="0"/>
-              <a:t>.</a:t>
-            </a:r>
-          </a:p>
-          <a:p>
-            <a:pPr marL="0" indent="0">
-              <a:buNone/>
-            </a:pPr>
-            <a:endParaRPr lang="ru-RU" dirty="0"/>
-          </a:p>
-          <a:p>
-            <a:pPr marL="0" indent="0">
-              <a:buNone/>
-            </a:pPr>
-            <a:r>
-              <a:rPr lang="ru-RU" dirty="0"/>
-              <a:t>Возьмем в качестве примера ситуацию, где разделителями выступают одновременно </a:t>
+            <a:pPr marL="0" indent="0">
+              <a:buNone/>
+            </a:pPr>
+            <a:r>
+              <a:rPr lang="en-US" dirty="0" err="1">
+                <a:solidFill>
+                  <a:srgbClr val="FF0000"/>
+                </a:solidFill>
+              </a:rPr>
+              <a:t>string.split</a:t>
+            </a:r>
+            <a:r>
+              <a:rPr lang="en-US" dirty="0">
+                <a:solidFill>
+                  <a:srgbClr val="FF0000"/>
+                </a:solidFill>
+              </a:rPr>
+              <a:t>(separator*, </a:t>
+            </a:r>
+            <a:r>
+              <a:rPr lang="en-US" dirty="0" err="1">
+                <a:solidFill>
+                  <a:srgbClr val="FF0000"/>
+                </a:solidFill>
+              </a:rPr>
+              <a:t>maxsplit</a:t>
             </a:r>
             <a:r>
               <a:rPr lang="en-US" dirty="0" smtClean="0">
@@ -4844,67 +4735,7 @@
                   <a:srgbClr val="FF0000"/>
                 </a:solidFill>
               </a:rPr>
-              <a:t>;</a:t>
-            </a:r>
-            <a:r>
-              <a:rPr lang="en-US" dirty="0" smtClean="0"/>
-              <a:t> </a:t>
-            </a:r>
-            <a:r>
-              <a:rPr lang="ru-RU" dirty="0" smtClean="0"/>
-              <a:t>и </a:t>
-            </a:r>
-            <a:r>
-              <a:rPr lang="ru-RU" dirty="0">
-                <a:solidFill>
-                  <a:srgbClr val="FF0000"/>
-                </a:solidFill>
-              </a:rPr>
-              <a:t>,</a:t>
-            </a:r>
-            <a:r>
-              <a:rPr lang="ru-RU" dirty="0"/>
-              <a:t>. Задействуем функцию </a:t>
-            </a:r>
-            <a:r>
-              <a:rPr lang="ru-RU" dirty="0" err="1">
-                <a:solidFill>
-                  <a:srgbClr val="FF0000"/>
-                </a:solidFill>
-              </a:rPr>
-              <a:t>re.split</a:t>
-            </a:r>
-            <a:r>
-              <a:rPr lang="ru-RU" dirty="0" smtClean="0">
-                <a:solidFill>
-                  <a:srgbClr val="FF0000"/>
-                </a:solidFill>
-              </a:rPr>
-              <a:t>()</a:t>
-            </a:r>
-            <a:r>
-              <a:rPr lang="ru-RU" dirty="0" smtClean="0"/>
-              <a:t>.</a:t>
-            </a:r>
-            <a:endParaRPr lang="en-US" dirty="0" smtClean="0"/>
-          </a:p>
-          <a:p>
-            <a:pPr marL="0" indent="0">
-              <a:buNone/>
-            </a:pPr>
-            <a:endParaRPr lang="en-US" dirty="0"/>
-          </a:p>
-          <a:p>
-            <a:pPr marL="0" indent="0">
-              <a:buNone/>
-            </a:pPr>
-            <a:r>
-              <a:rPr lang="en-US" dirty="0">
-                <a:solidFill>
-                  <a:srgbClr val="FF0000"/>
-                </a:solidFill>
-              </a:rPr>
-              <a:t>import re</a:t>
+              <a:t>*)</a:t>
             </a:r>
           </a:p>
           <a:p>
@@ -4922,6 +4753,109 @@
               <a:buNone/>
             </a:pPr>
             <a:r>
+              <a:rPr lang="ru-RU" dirty="0"/>
+              <a:t>Параметр </a:t>
+            </a:r>
+            <a:r>
+              <a:rPr lang="ru-RU" dirty="0" err="1">
+                <a:solidFill>
+                  <a:srgbClr val="FF0000"/>
+                </a:solidFill>
+              </a:rPr>
+              <a:t>separator</a:t>
+            </a:r>
+            <a:r>
+              <a:rPr lang="ru-RU" dirty="0"/>
+              <a:t> — необязательный, но он позволяет задать </a:t>
+            </a:r>
+            <a:r>
+              <a:rPr lang="ru-RU" dirty="0" smtClean="0"/>
+              <a:t>разделитель</a:t>
+            </a:r>
+            <a:r>
+              <a:rPr lang="en-US" dirty="0" smtClean="0"/>
+              <a:t> </a:t>
+            </a:r>
+            <a:r>
+              <a:rPr lang="ru-RU" dirty="0" smtClean="0"/>
+              <a:t>вручную</a:t>
+            </a:r>
+            <a:r>
+              <a:rPr lang="ru-RU" dirty="0"/>
+              <a:t>.</a:t>
+            </a:r>
+          </a:p>
+          <a:p>
+            <a:pPr marL="0" indent="0">
+              <a:buNone/>
+            </a:pPr>
+            <a:endParaRPr lang="ru-RU" dirty="0"/>
+          </a:p>
+          <a:p>
+            <a:pPr marL="0" indent="0">
+              <a:buNone/>
+            </a:pPr>
+            <a:r>
+              <a:rPr lang="ru-RU" dirty="0"/>
+              <a:t>Параметр </a:t>
+            </a:r>
+            <a:r>
+              <a:rPr lang="ru-RU" dirty="0" err="1">
+                <a:solidFill>
+                  <a:srgbClr val="FF0000"/>
+                </a:solidFill>
+              </a:rPr>
+              <a:t>maxsplit</a:t>
+            </a:r>
+            <a:r>
+              <a:rPr lang="ru-RU" dirty="0"/>
+              <a:t> определяет максимальное количество разделений. Значение </a:t>
+            </a:r>
+            <a:r>
+              <a:rPr lang="ru-RU" dirty="0" smtClean="0"/>
+              <a:t>по</a:t>
+            </a:r>
+            <a:r>
+              <a:rPr lang="en-US" dirty="0" smtClean="0"/>
+              <a:t> </a:t>
+            </a:r>
+            <a:r>
+              <a:rPr lang="ru-RU" dirty="0" smtClean="0"/>
+              <a:t>умолчанию </a:t>
+            </a:r>
+            <a:r>
+              <a:rPr lang="ru-RU" dirty="0"/>
+              <a:t>— </a:t>
+            </a:r>
+            <a:r>
+              <a:rPr lang="ru-RU" dirty="0">
+                <a:solidFill>
+                  <a:srgbClr val="FF0000"/>
+                </a:solidFill>
+              </a:rPr>
+              <a:t>-1</a:t>
+            </a:r>
+            <a:r>
+              <a:rPr lang="ru-RU" dirty="0"/>
+              <a:t>, будут выполнены все </a:t>
+            </a:r>
+            <a:r>
+              <a:rPr lang="ru-RU" dirty="0" smtClean="0"/>
+              <a:t>разделения.</a:t>
+            </a:r>
+            <a:endParaRPr lang="en-US" dirty="0"/>
+          </a:p>
+          <a:p>
+            <a:pPr marL="0" indent="0">
+              <a:buNone/>
+            </a:pPr>
+            <a:endParaRPr lang="en-US" dirty="0" smtClean="0"/>
+          </a:p>
+          <a:p>
+            <a:pPr marL="0" indent="0">
+              <a:buNone/>
+            </a:pPr>
+            <a:r>
               <a:rPr lang="en-US" dirty="0" err="1">
                 <a:solidFill>
                   <a:srgbClr val="FF0000"/>
@@ -4938,12 +4872,12 @@
               <a:t> = "</a:t>
             </a:r>
             <a:r>
-              <a:rPr lang="ru-RU" dirty="0">
-                <a:solidFill>
-                  <a:srgbClr val="FF0000"/>
-                </a:solidFill>
-              </a:rPr>
-              <a:t>Я\</a:t>
+              <a:rPr lang="en-US" dirty="0" err="1">
+                <a:solidFill>
+                  <a:srgbClr val="FF0000"/>
+                </a:solidFill>
+              </a:rPr>
+              <a:t>Пример</a:t>
             </a:r>
             <a:r>
               <a:rPr lang="en-US" dirty="0">
@@ -4951,31 +4885,7 @@
                   <a:srgbClr val="FF0000"/>
                 </a:solidFill>
               </a:rPr>
-              <a:t>n</a:t>
-            </a:r>
-            <a:r>
-              <a:rPr lang="ru-RU" dirty="0">
-                <a:solidFill>
-                  <a:srgbClr val="FF0000"/>
-                </a:solidFill>
-              </a:rPr>
-              <a:t>учу; </a:t>
-            </a:r>
-            <a:r>
-              <a:rPr lang="ru-RU" dirty="0" err="1">
-                <a:solidFill>
-                  <a:srgbClr val="FF0000"/>
-                </a:solidFill>
-              </a:rPr>
-              <a:t>язык,программирования</a:t>
-            </a:r>
-            <a:r>
-              <a:rPr lang="ru-RU" dirty="0">
-                <a:solidFill>
-                  <a:srgbClr val="FF0000"/>
-                </a:solidFill>
-              </a:rPr>
-              <a:t>\</a:t>
+              <a:t> </a:t>
             </a:r>
             <a:r>
               <a:rPr lang="en-US" dirty="0" err="1">
@@ -4983,7 +4893,7 @@
                   <a:srgbClr val="FF0000"/>
                 </a:solidFill>
               </a:rPr>
-              <a:t>nPython</a:t>
+              <a:t>строки</a:t>
             </a:r>
             <a:r>
               <a:rPr lang="en-US" dirty="0">
@@ -4991,7 +4901,7 @@
                   <a:srgbClr val="FF0000"/>
                 </a:solidFill>
               </a:rPr>
-              <a:t>"</a:t>
+              <a:t> Python"</a:t>
             </a:r>
           </a:p>
           <a:p>
@@ -5012,7 +4922,7 @@
                   <a:srgbClr val="FF0000"/>
                 </a:solidFill>
               </a:rPr>
-              <a:t>re.split</a:t>
+              <a:t>my_st.split</a:t>
             </a:r>
             <a:r>
               <a:rPr lang="en-US" dirty="0">
@@ -5020,23 +4930,7 @@
                   <a:srgbClr val="FF0000"/>
                 </a:solidFill>
               </a:rPr>
-              <a:t>(";|,|\n", </a:t>
-            </a:r>
-            <a:r>
-              <a:rPr lang="en-US" dirty="0" err="1">
-                <a:solidFill>
-                  <a:srgbClr val="FF0000"/>
-                </a:solidFill>
-              </a:rPr>
-              <a:t>my_st</a:t>
-            </a:r>
-            <a:r>
-              <a:rPr lang="en-US" dirty="0">
-                <a:solidFill>
-                  <a:srgbClr val="FF0000"/>
-                </a:solidFill>
-              </a:rPr>
-              <a:t>))</a:t>
+              <a:t>())</a:t>
             </a:r>
             <a:endParaRPr lang="ru-RU" dirty="0">
               <a:solidFill>
@@ -5049,7 +4943,7 @@
     </p:spTree>
     <p:extLst>
       <p:ext uri="{BB962C8B-B14F-4D97-AF65-F5344CB8AC3E}">
-        <p14:creationId xmlns:p14="http://schemas.microsoft.com/office/powerpoint/2010/main" val="1050348710"/>
+        <p14:creationId xmlns:p14="http://schemas.microsoft.com/office/powerpoint/2010/main" val="4186590598"/>
       </p:ext>
     </p:extLst>
   </p:cSld>
@@ -5270,14 +5164,9 @@
           <a:lstStyle/>
           <a:p>
             <a:r>
-              <a:rPr lang="ru-RU" b="1" dirty="0" smtClean="0"/>
-              <a:t>Метод </a:t>
-            </a:r>
-            <a:r>
-              <a:rPr lang="en-US" b="1" dirty="0" smtClean="0"/>
-              <a:t>.join()</a:t>
-            </a:r>
-            <a:endParaRPr lang="ru-RU" b="1" dirty="0"/>
+              <a:rPr lang="ru-RU" b="1" dirty="0"/>
+              <a:t>Разделение строк по нескольким разделителям</a:t>
+            </a:r>
           </a:p>
         </p:txBody>
       </p:sp>
@@ -5294,7 +5183,7 @@
         <p:spPr/>
         <p:txBody>
           <a:bodyPr>
-            <a:normAutofit fontScale="92500"/>
+            <a:normAutofit fontScale="92500" lnSpcReduction="20000"/>
           </a:bodyPr>
           <a:lstStyle/>
           <a:p>
@@ -5303,15 +5192,7 @@
             </a:pPr>
             <a:r>
               <a:rPr lang="ru-RU" dirty="0"/>
-              <a:t>Метод </a:t>
-            </a:r>
-            <a:r>
-              <a:rPr lang="ru-RU" dirty="0" err="1"/>
-              <a:t>join</a:t>
-            </a:r>
-            <a:r>
-              <a:rPr lang="ru-RU" dirty="0"/>
-              <a:t> в </a:t>
+              <a:t>В </a:t>
             </a:r>
             <a:r>
               <a:rPr lang="ru-RU" dirty="0" err="1"/>
@@ -5319,82 +5200,15 @@
             </a:r>
             <a:r>
               <a:rPr lang="ru-RU" dirty="0"/>
-              <a:t> отвечает за объединение списка строк с помощью определенного указателя. Часто это используется при конвертации списка в строку. Например, так можно конвертировать список букв алфавита в разделенную запятыми строку для сохранения.</a:t>
-            </a:r>
-          </a:p>
-          <a:p>
-            <a:pPr marL="0" indent="0">
-              <a:buNone/>
-            </a:pPr>
-            <a:endParaRPr lang="ru-RU" dirty="0"/>
-          </a:p>
-          <a:p>
-            <a:pPr marL="0" indent="0">
-              <a:buNone/>
-            </a:pPr>
-            <a:r>
-              <a:rPr lang="ru-RU" dirty="0"/>
-              <a:t>Метод принимает итерируемый объект в качестве аргумента, а поскольку список отвечает этим условиям, то его вполне можно использовать. Также список должен состоять из строк. Если попробовать использовать функцию для списка с другим содержимым, то результатом будет такое сообщение: </a:t>
-            </a:r>
-            <a:r>
-              <a:rPr lang="ru-RU" dirty="0" err="1"/>
-              <a:t>TypeError</a:t>
-            </a:r>
-            <a:r>
-              <a:rPr lang="ru-RU" dirty="0"/>
-              <a:t>: </a:t>
-            </a:r>
-            <a:r>
-              <a:rPr lang="ru-RU" dirty="0" err="1"/>
-              <a:t>sequence</a:t>
-            </a:r>
-            <a:r>
-              <a:rPr lang="ru-RU" dirty="0"/>
-              <a:t> </a:t>
-            </a:r>
-            <a:r>
-              <a:rPr lang="ru-RU" dirty="0" err="1"/>
-              <a:t>item</a:t>
-            </a:r>
-            <a:r>
-              <a:rPr lang="ru-RU" dirty="0"/>
-              <a:t> 0: </a:t>
-            </a:r>
-            <a:r>
-              <a:rPr lang="ru-RU" dirty="0" err="1"/>
-              <a:t>expected</a:t>
-            </a:r>
-            <a:r>
-              <a:rPr lang="ru-RU" dirty="0"/>
-              <a:t> </a:t>
-            </a:r>
-            <a:r>
-              <a:rPr lang="ru-RU" dirty="0" err="1"/>
-              <a:t>str</a:t>
-            </a:r>
-            <a:r>
-              <a:rPr lang="ru-RU" dirty="0"/>
-              <a:t> </a:t>
-            </a:r>
-            <a:r>
-              <a:rPr lang="ru-RU" dirty="0" err="1"/>
-              <a:t>instance</a:t>
-            </a:r>
-            <a:r>
-              <a:rPr lang="ru-RU" dirty="0"/>
-              <a:t>, </a:t>
-            </a:r>
-            <a:r>
-              <a:rPr lang="ru-RU" dirty="0" err="1"/>
-              <a:t>int</a:t>
-            </a:r>
-            <a:r>
-              <a:rPr lang="ru-RU" dirty="0"/>
-              <a:t> </a:t>
-            </a:r>
-            <a:r>
-              <a:rPr lang="ru-RU" dirty="0" err="1"/>
-              <a:t>found</a:t>
+              <a:t> можно использовать даже несколько разделителей. Для этого просто требуется передать несколько символов в качестве разделителей функции </a:t>
+            </a:r>
+            <a:r>
+              <a:rPr lang="ru-RU" dirty="0" err="1">
+                <a:solidFill>
+                  <a:srgbClr val="FF0000"/>
+                </a:solidFill>
+              </a:rPr>
+              <a:t>split</a:t>
             </a:r>
             <a:r>
               <a:rPr lang="ru-RU" dirty="0"/>
@@ -5406,13 +5220,227 @@
               <a:buNone/>
             </a:pPr>
             <a:endParaRPr lang="ru-RU" dirty="0"/>
+          </a:p>
+          <a:p>
+            <a:pPr marL="0" indent="0">
+              <a:buNone/>
+            </a:pPr>
+            <a:r>
+              <a:rPr lang="ru-RU" dirty="0"/>
+              <a:t>Возьмем в качестве примера ситуацию, где разделителями выступают одновременно </a:t>
+            </a:r>
+            <a:r>
+              <a:rPr lang="en-US" dirty="0" smtClean="0">
+                <a:solidFill>
+                  <a:srgbClr val="FF0000"/>
+                </a:solidFill>
+              </a:rPr>
+              <a:t>;</a:t>
+            </a:r>
+            <a:r>
+              <a:rPr lang="en-US" dirty="0" smtClean="0"/>
+              <a:t> </a:t>
+            </a:r>
+            <a:r>
+              <a:rPr lang="ru-RU" dirty="0" smtClean="0"/>
+              <a:t>и </a:t>
+            </a:r>
+            <a:r>
+              <a:rPr lang="ru-RU" dirty="0">
+                <a:solidFill>
+                  <a:srgbClr val="FF0000"/>
+                </a:solidFill>
+              </a:rPr>
+              <a:t>,</a:t>
+            </a:r>
+            <a:r>
+              <a:rPr lang="ru-RU" dirty="0"/>
+              <a:t>. Задействуем функцию </a:t>
+            </a:r>
+            <a:r>
+              <a:rPr lang="ru-RU" dirty="0" err="1">
+                <a:solidFill>
+                  <a:srgbClr val="FF0000"/>
+                </a:solidFill>
+              </a:rPr>
+              <a:t>re.split</a:t>
+            </a:r>
+            <a:r>
+              <a:rPr lang="ru-RU" dirty="0" smtClean="0">
+                <a:solidFill>
+                  <a:srgbClr val="FF0000"/>
+                </a:solidFill>
+              </a:rPr>
+              <a:t>()</a:t>
+            </a:r>
+            <a:r>
+              <a:rPr lang="ru-RU" dirty="0" smtClean="0"/>
+              <a:t>.</a:t>
+            </a:r>
+            <a:endParaRPr lang="en-US" dirty="0" smtClean="0"/>
+          </a:p>
+          <a:p>
+            <a:pPr marL="0" indent="0">
+              <a:buNone/>
+            </a:pPr>
+            <a:endParaRPr lang="en-US" dirty="0"/>
+          </a:p>
+          <a:p>
+            <a:pPr marL="0" indent="0">
+              <a:buNone/>
+            </a:pPr>
+            <a:r>
+              <a:rPr lang="en-US" dirty="0">
+                <a:solidFill>
+                  <a:srgbClr val="FF0000"/>
+                </a:solidFill>
+              </a:rPr>
+              <a:t>import re</a:t>
+            </a:r>
+          </a:p>
+          <a:p>
+            <a:pPr marL="0" indent="0">
+              <a:buNone/>
+            </a:pPr>
+            <a:endParaRPr lang="en-US" dirty="0">
+              <a:solidFill>
+                <a:srgbClr val="FF0000"/>
+              </a:solidFill>
+            </a:endParaRPr>
+          </a:p>
+          <a:p>
+            <a:pPr marL="0" indent="0">
+              <a:buNone/>
+            </a:pPr>
+            <a:r>
+              <a:rPr lang="en-US" dirty="0" err="1">
+                <a:solidFill>
+                  <a:srgbClr val="FF0000"/>
+                </a:solidFill>
+              </a:rPr>
+              <a:t>my_st</a:t>
+            </a:r>
+            <a:r>
+              <a:rPr lang="en-US" dirty="0">
+                <a:solidFill>
+                  <a:srgbClr val="FF0000"/>
+                </a:solidFill>
+              </a:rPr>
+              <a:t> = "</a:t>
+            </a:r>
+            <a:r>
+              <a:rPr lang="ru-RU" dirty="0">
+                <a:solidFill>
+                  <a:srgbClr val="FF0000"/>
+                </a:solidFill>
+              </a:rPr>
+              <a:t>Я\</a:t>
+            </a:r>
+            <a:r>
+              <a:rPr lang="en-US" dirty="0">
+                <a:solidFill>
+                  <a:srgbClr val="FF0000"/>
+                </a:solidFill>
+              </a:rPr>
+              <a:t>n</a:t>
+            </a:r>
+            <a:r>
+              <a:rPr lang="ru-RU" dirty="0">
+                <a:solidFill>
+                  <a:srgbClr val="FF0000"/>
+                </a:solidFill>
+              </a:rPr>
+              <a:t>учу; </a:t>
+            </a:r>
+            <a:r>
+              <a:rPr lang="ru-RU" dirty="0" err="1">
+                <a:solidFill>
+                  <a:srgbClr val="FF0000"/>
+                </a:solidFill>
+              </a:rPr>
+              <a:t>язык,программирования</a:t>
+            </a:r>
+            <a:r>
+              <a:rPr lang="ru-RU" dirty="0">
+                <a:solidFill>
+                  <a:srgbClr val="FF0000"/>
+                </a:solidFill>
+              </a:rPr>
+              <a:t>\</a:t>
+            </a:r>
+            <a:r>
+              <a:rPr lang="en-US" dirty="0" err="1">
+                <a:solidFill>
+                  <a:srgbClr val="FF0000"/>
+                </a:solidFill>
+              </a:rPr>
+              <a:t>nPython</a:t>
+            </a:r>
+            <a:r>
+              <a:rPr lang="en-US" dirty="0">
+                <a:solidFill>
+                  <a:srgbClr val="FF0000"/>
+                </a:solidFill>
+              </a:rPr>
+              <a:t>"</a:t>
+            </a:r>
+          </a:p>
+          <a:p>
+            <a:pPr marL="0" indent="0">
+              <a:buNone/>
+            </a:pPr>
+            <a:r>
+              <a:rPr lang="en-US" dirty="0">
+                <a:solidFill>
+                  <a:srgbClr val="FF0000"/>
+                </a:solidFill>
+              </a:rPr>
+              <a:t>print(</a:t>
+            </a:r>
+            <a:r>
+              <a:rPr lang="en-US" dirty="0" err="1">
+                <a:solidFill>
+                  <a:srgbClr val="FF0000"/>
+                </a:solidFill>
+              </a:rPr>
+              <a:t>re.split</a:t>
+            </a:r>
+            <a:r>
+              <a:rPr lang="en-US" dirty="0">
+                <a:solidFill>
+                  <a:srgbClr val="FF0000"/>
+                </a:solidFill>
+              </a:rPr>
+              <a:t>(";|,|\n", </a:t>
+            </a:r>
+            <a:r>
+              <a:rPr lang="en-US" dirty="0" err="1">
+                <a:solidFill>
+                  <a:srgbClr val="FF0000"/>
+                </a:solidFill>
+              </a:rPr>
+              <a:t>my_st</a:t>
+            </a:r>
+            <a:r>
+              <a:rPr lang="en-US" dirty="0">
+                <a:solidFill>
+                  <a:srgbClr val="FF0000"/>
+                </a:solidFill>
+              </a:rPr>
+              <a:t>))</a:t>
+            </a:r>
+            <a:endParaRPr lang="ru-RU" dirty="0">
+              <a:solidFill>
+                <a:srgbClr val="FF0000"/>
+              </a:solidFill>
+            </a:endParaRPr>
           </a:p>
         </p:txBody>
       </p:sp>
     </p:spTree>
     <p:extLst>
       <p:ext uri="{BB962C8B-B14F-4D97-AF65-F5344CB8AC3E}">
-        <p14:creationId xmlns:p14="http://schemas.microsoft.com/office/powerpoint/2010/main" val="1543008929"/>
+        <p14:creationId xmlns:p14="http://schemas.microsoft.com/office/powerpoint/2010/main" val="1050348710"/>
       </p:ext>
     </p:extLst>
   </p:cSld>
@@ -5441,6 +5469,33 @@
       </p:grpSpPr>
       <p:sp>
         <p:nvSpPr>
+          <p:cNvPr id="2" name="Заголовок 1"/>
+          <p:cNvSpPr>
+            <a:spLocks noGrp="1"/>
+          </p:cNvSpPr>
+          <p:nvPr>
+            <p:ph type="title"/>
+          </p:nvPr>
+        </p:nvSpPr>
+        <p:spPr/>
+        <p:txBody>
+          <a:bodyPr/>
+          <a:lstStyle/>
+          <a:p>
+            <a:r>
+              <a:rPr lang="ru-RU" b="1" dirty="0" smtClean="0"/>
+              <a:t>Метод </a:t>
+            </a:r>
+            <a:r>
+              <a:rPr lang="en-US" b="1" dirty="0" smtClean="0"/>
+              <a:t>.join()</a:t>
+            </a:r>
+            <a:endParaRPr lang="ru-RU" b="1" dirty="0"/>
+          </a:p>
+        </p:txBody>
+      </p:sp>
+      <p:sp>
+        <p:nvSpPr>
           <p:cNvPr id="3" name="Объект 2"/>
           <p:cNvSpPr>
             <a:spLocks noGrp="1"/>
@@ -5449,147 +5504,128 @@
             <p:ph idx="1"/>
           </p:nvPr>
         </p:nvSpPr>
-        <p:spPr>
-          <a:xfrm>
-            <a:off x="838200" y="444381"/>
-            <a:ext cx="10515600" cy="5732582"/>
-          </a:xfrm>
-        </p:spPr>
-        <p:txBody>
-          <a:bodyPr/>
-          <a:lstStyle/>
-          <a:p>
-            <a:pPr marL="0" indent="0">
-              <a:buNone/>
-            </a:pPr>
-            <a:r>
-              <a:rPr lang="en-US" dirty="0">
-                <a:solidFill>
-                  <a:srgbClr val="FF0000"/>
-                </a:solidFill>
-              </a:rPr>
-              <a:t>vowels = ["a", "e", "</a:t>
-            </a:r>
-            <a:r>
-              <a:rPr lang="en-US" dirty="0" err="1">
-                <a:solidFill>
-                  <a:srgbClr val="FF0000"/>
-                </a:solidFill>
-              </a:rPr>
-              <a:t>i</a:t>
-            </a:r>
-            <a:r>
-              <a:rPr lang="en-US" dirty="0">
-                <a:solidFill>
-                  <a:srgbClr val="FF0000"/>
-                </a:solidFill>
-              </a:rPr>
-              <a:t>", "o", "u"]</a:t>
-            </a:r>
-          </a:p>
-          <a:p>
-            <a:pPr marL="0" indent="0">
-              <a:buNone/>
-            </a:pPr>
-            <a:r>
-              <a:rPr lang="en-US" dirty="0" err="1">
-                <a:solidFill>
-                  <a:srgbClr val="FF0000"/>
-                </a:solidFill>
-              </a:rPr>
-              <a:t>vowels_str</a:t>
-            </a:r>
-            <a:r>
-              <a:rPr lang="en-US" dirty="0">
-                <a:solidFill>
-                  <a:srgbClr val="FF0000"/>
-                </a:solidFill>
-              </a:rPr>
-              <a:t> = ",".join(vowels)</a:t>
-            </a:r>
-          </a:p>
-          <a:p>
-            <a:pPr marL="0" indent="0">
-              <a:buNone/>
-            </a:pPr>
-            <a:r>
-              <a:rPr lang="en-US" dirty="0">
-                <a:solidFill>
-                  <a:srgbClr val="FF0000"/>
-                </a:solidFill>
-              </a:rPr>
-              <a:t>print("</a:t>
-            </a:r>
-            <a:r>
-              <a:rPr lang="ru-RU" dirty="0">
-                <a:solidFill>
-                  <a:srgbClr val="FF0000"/>
-                </a:solidFill>
-              </a:rPr>
-              <a:t>Строка гласных:", </a:t>
-            </a:r>
-            <a:r>
-              <a:rPr lang="en-US" dirty="0" err="1">
-                <a:solidFill>
-                  <a:srgbClr val="FF0000"/>
-                </a:solidFill>
-              </a:rPr>
-              <a:t>vowels_str</a:t>
-            </a:r>
-            <a:r>
-              <a:rPr lang="en-US" dirty="0" smtClean="0">
-                <a:solidFill>
-                  <a:srgbClr val="FF0000"/>
-                </a:solidFill>
-              </a:rPr>
-              <a:t>)</a:t>
-            </a:r>
-            <a:br>
-              <a:rPr lang="en-US" dirty="0" smtClean="0">
-                <a:solidFill>
-                  <a:srgbClr val="FF0000"/>
-                </a:solidFill>
-              </a:rPr>
-            </a:br>
-            <a:r>
-              <a:rPr lang="en-US" dirty="0" smtClean="0">
-                <a:solidFill>
-                  <a:srgbClr val="FF0000"/>
-                </a:solidFill>
-              </a:rPr>
-              <a:t/>
-            </a:r>
-            <a:br>
-              <a:rPr lang="en-US" dirty="0" smtClean="0">
-                <a:solidFill>
-                  <a:srgbClr val="FF0000"/>
-                </a:solidFill>
-              </a:rPr>
-            </a:br>
-            <a:r>
-              <a:rPr lang="ru-RU" dirty="0" smtClean="0"/>
-              <a:t>распечатайте еще тип данных </a:t>
-            </a:r>
-            <a:r>
-              <a:rPr lang="en-US" dirty="0" err="1">
-                <a:solidFill>
-                  <a:srgbClr val="FF0000"/>
-                </a:solidFill>
-              </a:rPr>
-              <a:t>vowels_str</a:t>
-            </a:r>
-            <a:endParaRPr lang="ru-RU" dirty="0">
-              <a:solidFill>
-                <a:srgbClr val="FF0000"/>
-              </a:solidFill>
-            </a:endParaRPr>
+        <p:spPr/>
+        <p:txBody>
+          <a:bodyPr>
+            <a:normAutofit fontScale="92500"/>
+          </a:bodyPr>
+          <a:lstStyle/>
+          <a:p>
+            <a:pPr marL="0" indent="0">
+              <a:buNone/>
+            </a:pPr>
+            <a:r>
+              <a:rPr lang="ru-RU" dirty="0"/>
+              <a:t>Метод </a:t>
+            </a:r>
+            <a:r>
+              <a:rPr lang="ru-RU" dirty="0" err="1"/>
+              <a:t>join</a:t>
+            </a:r>
+            <a:r>
+              <a:rPr lang="ru-RU" dirty="0"/>
+              <a:t> в </a:t>
+            </a:r>
+            <a:r>
+              <a:rPr lang="ru-RU" dirty="0" err="1"/>
+              <a:t>Python</a:t>
+            </a:r>
+            <a:r>
+              <a:rPr lang="ru-RU" dirty="0"/>
+              <a:t> отвечает за объединение списка строк с помощью определенного указателя. Часто это используется при конвертации списка в строку. Например, так можно конвертировать список букв алфавита в разделенную запятыми строку для сохранения.</a:t>
+            </a:r>
+          </a:p>
+          <a:p>
+            <a:pPr marL="0" indent="0">
+              <a:buNone/>
+            </a:pPr>
+            <a:endParaRPr lang="ru-RU" dirty="0"/>
+          </a:p>
+          <a:p>
+            <a:pPr marL="0" indent="0">
+              <a:buNone/>
+            </a:pPr>
+            <a:r>
+              <a:rPr lang="ru-RU" dirty="0"/>
+              <a:t>Метод принимает итерируемый объект в качестве аргумента, а поскольку список отвечает этим условиям, то его вполне можно использовать. Также список должен состоять из строк. Если попробовать использовать функцию для списка с другим содержимым, то результатом будет такое сообщение: </a:t>
+            </a:r>
+            <a:r>
+              <a:rPr lang="ru-RU" dirty="0" err="1"/>
+              <a:t>TypeError</a:t>
+            </a:r>
+            <a:r>
+              <a:rPr lang="ru-RU" dirty="0"/>
+              <a:t>: </a:t>
+            </a:r>
+            <a:r>
+              <a:rPr lang="ru-RU" dirty="0" err="1"/>
+              <a:t>sequence</a:t>
+            </a:r>
+            <a:r>
+              <a:rPr lang="ru-RU" dirty="0"/>
+              <a:t> </a:t>
+            </a:r>
+            <a:r>
+              <a:rPr lang="ru-RU" dirty="0" err="1"/>
+              <a:t>item</a:t>
+            </a:r>
+            <a:r>
+              <a:rPr lang="ru-RU" dirty="0"/>
+              <a:t> 0: </a:t>
+            </a:r>
+            <a:r>
+              <a:rPr lang="ru-RU" dirty="0" err="1"/>
+              <a:t>expected</a:t>
+            </a:r>
+            <a:r>
+              <a:rPr lang="ru-RU" dirty="0"/>
+              <a:t> </a:t>
+            </a:r>
+            <a:r>
+              <a:rPr lang="ru-RU" dirty="0" err="1"/>
+              <a:t>str</a:t>
+            </a:r>
+            <a:r>
+              <a:rPr lang="ru-RU" dirty="0"/>
+              <a:t> </a:t>
+            </a:r>
+            <a:r>
+              <a:rPr lang="ru-RU" dirty="0" err="1"/>
+              <a:t>instance</a:t>
+            </a:r>
+            <a:r>
+              <a:rPr lang="ru-RU" dirty="0"/>
+              <a:t>, </a:t>
+            </a:r>
+            <a:r>
+              <a:rPr lang="ru-RU" dirty="0" err="1"/>
+              <a:t>int</a:t>
+            </a:r>
+            <a:r>
+              <a:rPr lang="ru-RU" dirty="0"/>
+              <a:t> </a:t>
+            </a:r>
+            <a:r>
+              <a:rPr lang="ru-RU" dirty="0" err="1"/>
+              <a:t>found</a:t>
+            </a:r>
+            <a:r>
+              <a:rPr lang="ru-RU" dirty="0"/>
+              <a:t>.</a:t>
+            </a:r>
+          </a:p>
+          <a:p>
+            <a:pPr marL="0" indent="0">
+              <a:buNone/>
+            </a:pPr>
+            <a:endParaRPr lang="ru-RU" dirty="0"/>
           </a:p>
         </p:txBody>
       </p:sp>
     </p:spTree>
     <p:extLst>
       <p:ext uri="{BB962C8B-B14F-4D97-AF65-F5344CB8AC3E}">
-        <p14:creationId xmlns:p14="http://schemas.microsoft.com/office/powerpoint/2010/main" val="1897742617"/>
+        <p14:creationId xmlns:p14="http://schemas.microsoft.com/office/powerpoint/2010/main" val="1543008929"/>
       </p:ext>
     </p:extLst>
   </p:cSld>
@@ -5618,83 +5654,142 @@
       </p:grpSpPr>
       <p:sp>
         <p:nvSpPr>
-          <p:cNvPr id="2" name="Заголовок 1"/>
-          <p:cNvSpPr>
-            <a:spLocks noGrp="1"/>
-          </p:cNvSpPr>
-          <p:nvPr>
-            <p:ph type="title"/>
-          </p:nvPr>
-        </p:nvSpPr>
-        <p:spPr/>
+          <p:cNvPr id="3" name="Объект 2"/>
+          <p:cNvSpPr>
+            <a:spLocks noGrp="1"/>
+          </p:cNvSpPr>
+          <p:nvPr>
+            <p:ph idx="1"/>
+          </p:nvPr>
+        </p:nvSpPr>
+        <p:spPr>
+          <a:xfrm>
+            <a:off x="838200" y="444381"/>
+            <a:ext cx="10515600" cy="5732582"/>
+          </a:xfrm>
+        </p:spPr>
         <p:txBody>
           <a:bodyPr/>
           <a:lstStyle/>
           <a:p>
-            <a:r>
-              <a:rPr lang="ru-RU" b="1" dirty="0"/>
-              <a:t>Разбитие строки с помощью </a:t>
-            </a:r>
-            <a:r>
-              <a:rPr lang="ru-RU" b="1" dirty="0" err="1" smtClean="0"/>
-              <a:t>join</a:t>
-            </a:r>
-            <a:endParaRPr lang="ru-RU" dirty="0"/>
-          </a:p>
-        </p:txBody>
-      </p:sp>
-      <p:sp>
-        <p:nvSpPr>
-          <p:cNvPr id="3" name="Объект 2"/>
-          <p:cNvSpPr>
-            <a:spLocks noGrp="1"/>
-          </p:cNvSpPr>
-          <p:nvPr>
-            <p:ph idx="1"/>
-          </p:nvPr>
-        </p:nvSpPr>
-        <p:spPr/>
-        <p:txBody>
-          <a:bodyPr/>
-          <a:lstStyle/>
-          <a:p>
-            <a:pPr marL="0" indent="0">
-              <a:buNone/>
-            </a:pPr>
-            <a:r>
-              <a:rPr lang="ru-RU" dirty="0"/>
-              <a:t>Также функцию </a:t>
-            </a:r>
-            <a:r>
-              <a:rPr lang="ru-RU" dirty="0" err="1"/>
-              <a:t>join</a:t>
-            </a:r>
-            <a:r>
-              <a:rPr lang="ru-RU" dirty="0"/>
-              <a:t>() можно использовать, чтобы разбить строку по определенному разделителю</a:t>
-            </a:r>
+            <a:pPr marL="0" indent="0">
+              <a:buNone/>
+            </a:pPr>
+            <a:r>
+              <a:rPr lang="en-US" dirty="0">
+                <a:solidFill>
+                  <a:srgbClr val="FF0000"/>
+                </a:solidFill>
+              </a:rPr>
+              <a:t>vowels = ["a", "e", "</a:t>
+            </a:r>
+            <a:r>
+              <a:rPr lang="en-US" dirty="0" err="1">
+                <a:solidFill>
+                  <a:srgbClr val="FF0000"/>
+                </a:solidFill>
+              </a:rPr>
+              <a:t>i</a:t>
+            </a:r>
+            <a:r>
+              <a:rPr lang="en-US" dirty="0">
+                <a:solidFill>
+                  <a:srgbClr val="FF0000"/>
+                </a:solidFill>
+              </a:rPr>
+              <a:t>", "o", "u"]</a:t>
+            </a:r>
+          </a:p>
+          <a:p>
+            <a:pPr marL="0" indent="0">
+              <a:buNone/>
+            </a:pPr>
+            <a:r>
+              <a:rPr lang="en-US" dirty="0" err="1">
+                <a:solidFill>
+                  <a:srgbClr val="FF0000"/>
+                </a:solidFill>
+              </a:rPr>
+              <a:t>vowels_str</a:t>
+            </a:r>
+            <a:r>
+              <a:rPr lang="en-US" dirty="0">
+                <a:solidFill>
+                  <a:srgbClr val="FF0000"/>
+                </a:solidFill>
+              </a:rPr>
+              <a:t> = ",".join(vowels)</a:t>
+            </a:r>
+          </a:p>
+          <a:p>
+            <a:pPr marL="0" indent="0">
+              <a:buNone/>
+            </a:pPr>
+            <a:r>
+              <a:rPr lang="en-US" dirty="0">
+                <a:solidFill>
+                  <a:srgbClr val="FF0000"/>
+                </a:solidFill>
+              </a:rPr>
+              <a:t>print("</a:t>
+            </a:r>
+            <a:r>
+              <a:rPr lang="ru-RU" dirty="0">
+                <a:solidFill>
+                  <a:srgbClr val="FF0000"/>
+                </a:solidFill>
+              </a:rPr>
+              <a:t>Строка гласных:", </a:t>
+            </a:r>
+            <a:r>
+              <a:rPr lang="en-US" dirty="0" err="1">
+                <a:solidFill>
+                  <a:srgbClr val="FF0000"/>
+                </a:solidFill>
+              </a:rPr>
+              <a:t>vowels_str</a:t>
+            </a:r>
+            <a:r>
+              <a:rPr lang="en-US" dirty="0" smtClean="0">
+                <a:solidFill>
+                  <a:srgbClr val="FF0000"/>
+                </a:solidFill>
+              </a:rPr>
+              <a:t>)</a:t>
+            </a:r>
+            <a:br>
+              <a:rPr lang="en-US" dirty="0" smtClean="0">
+                <a:solidFill>
+                  <a:srgbClr val="FF0000"/>
+                </a:solidFill>
+              </a:rPr>
+            </a:br>
+            <a:r>
+              <a:rPr lang="en-US" dirty="0" smtClean="0">
+                <a:solidFill>
+                  <a:srgbClr val="FF0000"/>
+                </a:solidFill>
+              </a:rPr>
+              <a:t/>
+            </a:r>
+            <a:br>
+              <a:rPr lang="en-US" dirty="0" smtClean="0">
+                <a:solidFill>
+                  <a:srgbClr val="FF0000"/>
+                </a:solidFill>
+              </a:rPr>
+            </a:br>
             <a:r>
               <a:rPr lang="ru-RU" dirty="0" smtClean="0"/>
-              <a:t>.</a:t>
-            </a:r>
-          </a:p>
-          <a:p>
-            <a:pPr marL="0" indent="0">
-              <a:buNone/>
-            </a:pPr>
-            <a:endParaRPr lang="ru-RU" dirty="0" smtClean="0"/>
-          </a:p>
-          <a:p>
-            <a:pPr marL="0" indent="0">
-              <a:buNone/>
-            </a:pPr>
-            <a:r>
-              <a:rPr lang="en-US" dirty="0">
-                <a:solidFill>
-                  <a:srgbClr val="FF0000"/>
-                </a:solidFill>
-              </a:rPr>
-              <a:t>print(",".join("Python"))</a:t>
+              <a:t>распечатайте еще тип данных </a:t>
+            </a:r>
+            <a:r>
+              <a:rPr lang="en-US" dirty="0" err="1">
+                <a:solidFill>
+                  <a:srgbClr val="FF0000"/>
+                </a:solidFill>
+              </a:rPr>
+              <a:t>vowels_str</a:t>
             </a:r>
             <a:endParaRPr lang="ru-RU" dirty="0">
               <a:solidFill>
@@ -5702,18 +5797,12 @@
               </a:solidFill>
             </a:endParaRPr>
           </a:p>
-          <a:p>
-            <a:pPr marL="0" indent="0">
-              <a:buNone/>
-            </a:pPr>
-            <a:endParaRPr lang="ru-RU" dirty="0"/>
-          </a:p>
         </p:txBody>
       </p:sp>
     </p:spTree>
     <p:extLst>
       <p:ext uri="{BB962C8B-B14F-4D97-AF65-F5344CB8AC3E}">
-        <p14:creationId xmlns:p14="http://schemas.microsoft.com/office/powerpoint/2010/main" val="3642552533"/>
+        <p14:creationId xmlns:p14="http://schemas.microsoft.com/office/powerpoint/2010/main" val="1897742617"/>
       </p:ext>
     </p:extLst>
   </p:cSld>
@@ -5757,15 +5846,11 @@
           <a:p>
             <a:r>
               <a:rPr lang="ru-RU" b="1" dirty="0"/>
-              <a:t>М</a:t>
-            </a:r>
-            <a:r>
-              <a:rPr lang="ru-RU" b="1" dirty="0" smtClean="0"/>
-              <a:t>етод </a:t>
-            </a:r>
-            <a:r>
-              <a:rPr lang="en-US" b="1" dirty="0" smtClean="0"/>
-              <a:t>replace()</a:t>
+              <a:t>Разбитие строки с помощью </a:t>
+            </a:r>
+            <a:r>
+              <a:rPr lang="ru-RU" b="1" dirty="0" err="1" smtClean="0"/>
+              <a:t>join</a:t>
             </a:r>
             <a:endParaRPr lang="ru-RU" dirty="0"/>
           </a:p>
@@ -5781,16 +5866,9 @@
             <p:ph idx="1"/>
           </p:nvPr>
         </p:nvSpPr>
-        <p:spPr>
-          <a:xfrm>
-            <a:off x="838200" y="1367327"/>
-            <a:ext cx="10515600" cy="5409488"/>
-          </a:xfrm>
-        </p:spPr>
-        <p:txBody>
-          <a:bodyPr>
-            <a:normAutofit fontScale="85000" lnSpcReduction="20000"/>
-          </a:bodyPr>
+        <p:spPr/>
+        <p:txBody>
+          <a:bodyPr/>
           <a:lstStyle/>
           <a:p>
             <a:pPr marL="0" indent="0">
@@ -5798,104 +5876,39 @@
             </a:pPr>
             <a:r>
               <a:rPr lang="ru-RU" dirty="0"/>
-              <a:t>Слово </a:t>
+              <a:t>Также функцию </a:t>
             </a:r>
             <a:r>
               <a:rPr lang="ru-RU" dirty="0" err="1"/>
-              <a:t>replace</a:t>
+              <a:t>join</a:t>
             </a:r>
             <a:r>
               <a:rPr lang="ru-RU" dirty="0"/>
-              <a:t> имеет дословный перевод «заменять», так что название метода точно описывает его назначение. С помощью </a:t>
-            </a:r>
-            <a:r>
-              <a:rPr lang="ru-RU" dirty="0" err="1"/>
-              <a:t>replace</a:t>
-            </a:r>
-            <a:r>
-              <a:rPr lang="ru-RU" dirty="0"/>
-              <a:t> можно заменить часть строки или её всю на другую строку.</a:t>
-            </a:r>
-          </a:p>
-          <a:p>
-            <a:pPr marL="0" indent="0">
-              <a:buNone/>
-            </a:pPr>
-            <a:endParaRPr lang="ru-RU" dirty="0"/>
-          </a:p>
-          <a:p>
-            <a:pPr marL="0" indent="0">
-              <a:buNone/>
-            </a:pPr>
-            <a:r>
-              <a:rPr lang="ru-RU" dirty="0" err="1">
-                <a:solidFill>
-                  <a:srgbClr val="FF0000"/>
-                </a:solidFill>
-              </a:rPr>
-              <a:t>str.replace</a:t>
-            </a:r>
-            <a:r>
-              <a:rPr lang="ru-RU" dirty="0">
-                <a:solidFill>
-                  <a:srgbClr val="FF0000"/>
-                </a:solidFill>
-              </a:rPr>
-              <a:t>(</a:t>
-            </a:r>
-            <a:r>
-              <a:rPr lang="ru-RU" dirty="0" err="1">
-                <a:solidFill>
-                  <a:srgbClr val="FF0000"/>
-                </a:solidFill>
-              </a:rPr>
-              <a:t>old_str</a:t>
-            </a:r>
-            <a:r>
-              <a:rPr lang="ru-RU" dirty="0">
-                <a:solidFill>
-                  <a:srgbClr val="FF0000"/>
-                </a:solidFill>
-              </a:rPr>
-              <a:t>, </a:t>
-            </a:r>
-            <a:r>
-              <a:rPr lang="ru-RU" dirty="0" err="1">
-                <a:solidFill>
-                  <a:srgbClr val="FF0000"/>
-                </a:solidFill>
-              </a:rPr>
-              <a:t>new_str</a:t>
-            </a:r>
-            <a:r>
-              <a:rPr lang="ru-RU" dirty="0">
-                <a:solidFill>
-                  <a:srgbClr val="FF0000"/>
-                </a:solidFill>
-              </a:rPr>
-              <a:t>[, </a:t>
-            </a:r>
-            <a:r>
-              <a:rPr lang="ru-RU" dirty="0" err="1">
-                <a:solidFill>
-                  <a:srgbClr val="FF0000"/>
-                </a:solidFill>
-              </a:rPr>
-              <a:t>count</a:t>
-            </a:r>
-            <a:r>
-              <a:rPr lang="ru-RU" dirty="0" smtClean="0">
-                <a:solidFill>
-                  <a:srgbClr val="FF0000"/>
-                </a:solidFill>
-              </a:rPr>
-              <a:t>])</a:t>
-            </a:r>
-          </a:p>
-          <a:p>
-            <a:pPr marL="0" indent="0">
-              <a:buNone/>
-            </a:pPr>
+              <a:t>() можно использовать, чтобы разбить строку по определенному разделителю</a:t>
+            </a:r>
+            <a:r>
+              <a:rPr lang="ru-RU" dirty="0" smtClean="0"/>
+              <a:t>.</a:t>
+            </a:r>
+          </a:p>
+          <a:p>
+            <a:pPr marL="0" indent="0">
+              <a:buNone/>
+            </a:pPr>
+            <a:endParaRPr lang="ru-RU" dirty="0" smtClean="0"/>
+          </a:p>
+          <a:p>
+            <a:pPr marL="0" indent="0">
+              <a:buNone/>
+            </a:pPr>
+            <a:r>
+              <a:rPr lang="en-US" dirty="0">
+                <a:solidFill>
+                  <a:srgbClr val="FF0000"/>
+                </a:solidFill>
+              </a:rPr>
+              <a:t>print(",".join("Python"))</a:t>
+            </a:r>
             <a:endParaRPr lang="ru-RU" dirty="0">
               <a:solidFill>
                 <a:srgbClr val="FF0000"/>
@@ -5906,90 +5919,6 @@
             <a:pPr marL="0" indent="0">
               <a:buNone/>
             </a:pPr>
-            <a:r>
-              <a:rPr lang="ru-RU" dirty="0"/>
-              <a:t>В качестве аргументов в метод передаются:</a:t>
-            </a:r>
-          </a:p>
-          <a:p>
-            <a:pPr marL="0" indent="0">
-              <a:buNone/>
-            </a:pPr>
-            <a:endParaRPr lang="ru-RU" dirty="0"/>
-          </a:p>
-          <a:p>
-            <a:pPr marL="0" indent="0">
-              <a:buNone/>
-            </a:pPr>
-            <a:r>
-              <a:rPr lang="ru-RU" dirty="0" err="1"/>
-              <a:t>old_str</a:t>
-            </a:r>
-            <a:r>
-              <a:rPr lang="ru-RU" dirty="0"/>
-              <a:t> – часть исходной строки, которую необходимо заменить.</a:t>
-            </a:r>
-          </a:p>
-          <a:p>
-            <a:pPr marL="0" indent="0">
-              <a:buNone/>
-            </a:pPr>
-            <a:r>
-              <a:rPr lang="ru-RU" dirty="0" err="1"/>
-              <a:t>new_str</a:t>
-            </a:r>
-            <a:r>
-              <a:rPr lang="ru-RU" dirty="0"/>
-              <a:t> – строка, на которую заменяют исходную строку (</a:t>
-            </a:r>
-            <a:r>
-              <a:rPr lang="ru-RU" dirty="0" err="1"/>
-              <a:t>old_str</a:t>
-            </a:r>
-            <a:r>
-              <a:rPr lang="ru-RU" dirty="0"/>
-              <a:t>).</a:t>
-            </a:r>
-          </a:p>
-          <a:p>
-            <a:pPr marL="0" indent="0">
-              <a:buNone/>
-            </a:pPr>
-            <a:r>
-              <a:rPr lang="ru-RU" dirty="0" err="1"/>
-              <a:t>count</a:t>
-            </a:r>
-            <a:r>
-              <a:rPr lang="ru-RU" dirty="0"/>
-              <a:t> – определяет количество вхождений подстроки, которые необходимо заменить</a:t>
-            </a:r>
-            <a:r>
-              <a:rPr lang="ru-RU" dirty="0" smtClean="0"/>
-              <a:t>.</a:t>
-            </a:r>
-          </a:p>
-          <a:p>
-            <a:pPr marL="0" indent="0">
-              <a:buNone/>
-            </a:pPr>
-            <a:endParaRPr lang="ru-RU" dirty="0"/>
-          </a:p>
-          <a:p>
-            <a:pPr marL="0" indent="0">
-              <a:buNone/>
-            </a:pPr>
-            <a:r>
-              <a:rPr lang="ru-RU" dirty="0"/>
-              <a:t>Здесь </a:t>
-            </a:r>
-            <a:r>
-              <a:rPr lang="ru-RU" dirty="0" err="1"/>
-              <a:t>count</a:t>
-            </a:r>
-            <a:r>
-              <a:rPr lang="ru-RU" dirty="0"/>
-              <a:t> – не обязательный параметр. Если его не указывать, то будут заменены все вхождения подстрок на новые.</a:t>
-            </a:r>
             <a:endParaRPr lang="ru-RU" dirty="0"/>
           </a:p>
         </p:txBody>
@@ -5997,7 +5926,7 @@
     </p:spTree>
     <p:extLst>
       <p:ext uri="{BB962C8B-B14F-4D97-AF65-F5344CB8AC3E}">
-        <p14:creationId xmlns:p14="http://schemas.microsoft.com/office/powerpoint/2010/main" val="2660064471"/>
+        <p14:creationId xmlns:p14="http://schemas.microsoft.com/office/powerpoint/2010/main" val="3642552533"/>
       </p:ext>
     </p:extLst>
   </p:cSld>
@@ -6026,6 +5955,289 @@
       </p:grpSpPr>
       <p:sp>
         <p:nvSpPr>
+          <p:cNvPr id="2" name="Заголовок 1"/>
+          <p:cNvSpPr>
+            <a:spLocks noGrp="1"/>
+          </p:cNvSpPr>
+          <p:nvPr>
+            <p:ph type="title"/>
+          </p:nvPr>
+        </p:nvSpPr>
+        <p:spPr/>
+        <p:txBody>
+          <a:bodyPr/>
+          <a:lstStyle/>
+          <a:p>
+            <a:r>
+              <a:rPr lang="ru-RU" b="1" dirty="0"/>
+              <a:t>М</a:t>
+            </a:r>
+            <a:r>
+              <a:rPr lang="ru-RU" b="1" dirty="0" smtClean="0"/>
+              <a:t>етод </a:t>
+            </a:r>
+            <a:r>
+              <a:rPr lang="en-US" b="1" dirty="0" smtClean="0"/>
+              <a:t>replace()</a:t>
+            </a:r>
+            <a:endParaRPr lang="ru-RU" dirty="0"/>
+          </a:p>
+        </p:txBody>
+      </p:sp>
+      <p:sp>
+        <p:nvSpPr>
+          <p:cNvPr id="3" name="Объект 2"/>
+          <p:cNvSpPr>
+            <a:spLocks noGrp="1"/>
+          </p:cNvSpPr>
+          <p:nvPr>
+            <p:ph idx="1"/>
+          </p:nvPr>
+        </p:nvSpPr>
+        <p:spPr>
+          <a:xfrm>
+            <a:off x="838200" y="1367327"/>
+            <a:ext cx="10515600" cy="5409488"/>
+          </a:xfrm>
+        </p:spPr>
+        <p:txBody>
+          <a:bodyPr>
+            <a:normAutofit fontScale="85000" lnSpcReduction="20000"/>
+          </a:bodyPr>
+          <a:lstStyle/>
+          <a:p>
+            <a:pPr marL="0" indent="0">
+              <a:buNone/>
+            </a:pPr>
+            <a:r>
+              <a:rPr lang="ru-RU" dirty="0"/>
+              <a:t>Слово </a:t>
+            </a:r>
+            <a:r>
+              <a:rPr lang="ru-RU" dirty="0" err="1"/>
+              <a:t>replace</a:t>
+            </a:r>
+            <a:r>
+              <a:rPr lang="ru-RU" dirty="0"/>
+              <a:t> имеет дословный перевод «заменять», так что название метода точно описывает его назначение. С помощью </a:t>
+            </a:r>
+            <a:r>
+              <a:rPr lang="ru-RU" dirty="0" err="1"/>
+              <a:t>replace</a:t>
+            </a:r>
+            <a:r>
+              <a:rPr lang="ru-RU" dirty="0"/>
+              <a:t> можно заменить часть строки или её всю на другую строку.</a:t>
+            </a:r>
+          </a:p>
+          <a:p>
+            <a:pPr marL="0" indent="0">
+              <a:buNone/>
+            </a:pPr>
+            <a:endParaRPr lang="ru-RU" dirty="0"/>
+          </a:p>
+          <a:p>
+            <a:pPr marL="0" indent="0">
+              <a:buNone/>
+            </a:pPr>
+            <a:r>
+              <a:rPr lang="ru-RU" dirty="0" err="1">
+                <a:solidFill>
+                  <a:srgbClr val="FF0000"/>
+                </a:solidFill>
+              </a:rPr>
+              <a:t>str.replace</a:t>
+            </a:r>
+            <a:r>
+              <a:rPr lang="ru-RU" dirty="0">
+                <a:solidFill>
+                  <a:srgbClr val="FF0000"/>
+                </a:solidFill>
+              </a:rPr>
+              <a:t>(</a:t>
+            </a:r>
+            <a:r>
+              <a:rPr lang="ru-RU" dirty="0" err="1">
+                <a:solidFill>
+                  <a:srgbClr val="FF0000"/>
+                </a:solidFill>
+              </a:rPr>
+              <a:t>old_str</a:t>
+            </a:r>
+            <a:r>
+              <a:rPr lang="ru-RU" dirty="0">
+                <a:solidFill>
+                  <a:srgbClr val="FF0000"/>
+                </a:solidFill>
+              </a:rPr>
+              <a:t>, </a:t>
+            </a:r>
+            <a:r>
+              <a:rPr lang="ru-RU" dirty="0" err="1">
+                <a:solidFill>
+                  <a:srgbClr val="FF0000"/>
+                </a:solidFill>
+              </a:rPr>
+              <a:t>new_str</a:t>
+            </a:r>
+            <a:r>
+              <a:rPr lang="ru-RU" dirty="0">
+                <a:solidFill>
+                  <a:srgbClr val="FF0000"/>
+                </a:solidFill>
+              </a:rPr>
+              <a:t>[, </a:t>
+            </a:r>
+            <a:r>
+              <a:rPr lang="ru-RU" dirty="0" err="1">
+                <a:solidFill>
+                  <a:srgbClr val="FF0000"/>
+                </a:solidFill>
+              </a:rPr>
+              <a:t>count</a:t>
+            </a:r>
+            <a:r>
+              <a:rPr lang="ru-RU" dirty="0" smtClean="0">
+                <a:solidFill>
+                  <a:srgbClr val="FF0000"/>
+                </a:solidFill>
+              </a:rPr>
+              <a:t>])</a:t>
+            </a:r>
+          </a:p>
+          <a:p>
+            <a:pPr marL="0" indent="0">
+              <a:buNone/>
+            </a:pPr>
+            <a:endParaRPr lang="ru-RU" dirty="0">
+              <a:solidFill>
+                <a:srgbClr val="FF0000"/>
+              </a:solidFill>
+            </a:endParaRPr>
+          </a:p>
+          <a:p>
+            <a:pPr marL="0" indent="0">
+              <a:buNone/>
+            </a:pPr>
+            <a:r>
+              <a:rPr lang="ru-RU" dirty="0"/>
+              <a:t>В качестве аргументов в метод передаются:</a:t>
+            </a:r>
+          </a:p>
+          <a:p>
+            <a:pPr marL="0" indent="0">
+              <a:buNone/>
+            </a:pPr>
+            <a:endParaRPr lang="ru-RU" dirty="0"/>
+          </a:p>
+          <a:p>
+            <a:pPr marL="0" indent="0">
+              <a:buNone/>
+            </a:pPr>
+            <a:r>
+              <a:rPr lang="ru-RU" dirty="0" err="1"/>
+              <a:t>old_str</a:t>
+            </a:r>
+            <a:r>
+              <a:rPr lang="ru-RU" dirty="0"/>
+              <a:t> – часть исходной строки, которую необходимо заменить.</a:t>
+            </a:r>
+          </a:p>
+          <a:p>
+            <a:pPr marL="0" indent="0">
+              <a:buNone/>
+            </a:pPr>
+            <a:r>
+              <a:rPr lang="ru-RU" dirty="0" err="1"/>
+              <a:t>new_str</a:t>
+            </a:r>
+            <a:r>
+              <a:rPr lang="ru-RU" dirty="0"/>
+              <a:t> – строка, на которую заменяют исходную строку (</a:t>
+            </a:r>
+            <a:r>
+              <a:rPr lang="ru-RU" dirty="0" err="1"/>
+              <a:t>old_str</a:t>
+            </a:r>
+            <a:r>
+              <a:rPr lang="ru-RU" dirty="0"/>
+              <a:t>).</a:t>
+            </a:r>
+          </a:p>
+          <a:p>
+            <a:pPr marL="0" indent="0">
+              <a:buNone/>
+            </a:pPr>
+            <a:r>
+              <a:rPr lang="ru-RU" dirty="0" err="1"/>
+              <a:t>count</a:t>
+            </a:r>
+            <a:r>
+              <a:rPr lang="ru-RU" dirty="0"/>
+              <a:t> – определяет количество вхождений подстроки, которые необходимо заменить</a:t>
+            </a:r>
+            <a:r>
+              <a:rPr lang="ru-RU" dirty="0" smtClean="0"/>
+              <a:t>.</a:t>
+            </a:r>
+          </a:p>
+          <a:p>
+            <a:pPr marL="0" indent="0">
+              <a:buNone/>
+            </a:pPr>
+            <a:endParaRPr lang="ru-RU" dirty="0"/>
+          </a:p>
+          <a:p>
+            <a:pPr marL="0" indent="0">
+              <a:buNone/>
+            </a:pPr>
+            <a:r>
+              <a:rPr lang="ru-RU" dirty="0"/>
+              <a:t>Здесь </a:t>
+            </a:r>
+            <a:r>
+              <a:rPr lang="ru-RU" dirty="0" err="1"/>
+              <a:t>count</a:t>
+            </a:r>
+            <a:r>
+              <a:rPr lang="ru-RU" dirty="0"/>
+              <a:t> – не обязательный параметр. Если его не указывать, то будут заменены все вхождения подстрок на новые.</a:t>
+            </a:r>
+          </a:p>
+        </p:txBody>
+      </p:sp>
+    </p:spTree>
+    <p:extLst>
+      <p:ext uri="{BB962C8B-B14F-4D97-AF65-F5344CB8AC3E}">
+        <p14:creationId xmlns:p14="http://schemas.microsoft.com/office/powerpoint/2010/main" val="2660064471"/>
+      </p:ext>
+    </p:extLst>
+  </p:cSld>
+  <p:clrMapOvr>
+    <a:masterClrMapping/>
+  </p:clrMapOvr>
+</p:sld>
+</file>
+
+<file path=ppt/slides/slide25.xml><?xml version="1.0" encoding="utf-8"?>
+<p:sld xmlns:a="http://schemas.openxmlformats.org/drawingml/2006/main" xmlns:r="http://schemas.openxmlformats.org/officeDocument/2006/relationships" xmlns:p="http://schemas.openxmlformats.org/presentationml/2006/main">
+  <p:cSld>
+    <p:spTree>
+      <p:nvGrpSpPr>
+        <p:cNvPr id="1" name=""/>
+        <p:cNvGrpSpPr/>
+        <p:nvPr/>
+      </p:nvGrpSpPr>
+      <p:grpSpPr>
+        <a:xfrm>
+          <a:off x="0" y="0"/>
+          <a:ext cx="0" cy="0"/>
+          <a:chOff x="0" y="0"/>
+          <a:chExt cx="0" cy="0"/>
+        </a:xfrm>
+      </p:grpSpPr>
+      <p:sp>
+        <p:nvSpPr>
           <p:cNvPr id="3" name="Объект 2"/>
           <p:cNvSpPr>
             <a:spLocks noGrp="1"/>
@@ -6217,6 +6429,96 @@
     <p:extLst>
       <p:ext uri="{BB962C8B-B14F-4D97-AF65-F5344CB8AC3E}">
         <p14:creationId xmlns:p14="http://schemas.microsoft.com/office/powerpoint/2010/main" val="1603249661"/>
+      </p:ext>
+    </p:extLst>
+  </p:cSld>
+  <p:clrMapOvr>
+    <a:masterClrMapping/>
+  </p:clrMapOvr>
+</p:sld>
+</file>
+
+<file path=ppt/slides/slide26.xml><?xml version="1.0" encoding="utf-8"?>
+<p:sld xmlns:a="http://schemas.openxmlformats.org/drawingml/2006/main" xmlns:r="http://schemas.openxmlformats.org/officeDocument/2006/relationships" xmlns:p="http://schemas.openxmlformats.org/presentationml/2006/main">
+  <p:cSld>
+    <p:spTree>
+      <p:nvGrpSpPr>
+        <p:cNvPr id="1" name=""/>
+        <p:cNvGrpSpPr/>
+        <p:nvPr/>
+      </p:nvGrpSpPr>
+      <p:grpSpPr>
+        <a:xfrm>
+          <a:off x="0" y="0"/>
+          <a:ext cx="0" cy="0"/>
+          <a:chOff x="0" y="0"/>
+          <a:chExt cx="0" cy="0"/>
+        </a:xfrm>
+      </p:grpSpPr>
+      <p:sp>
+        <p:nvSpPr>
+          <p:cNvPr id="2" name="Заголовок 1"/>
+          <p:cNvSpPr>
+            <a:spLocks noGrp="1"/>
+          </p:cNvSpPr>
+          <p:nvPr>
+            <p:ph type="title"/>
+          </p:nvPr>
+        </p:nvSpPr>
+        <p:spPr>
+          <a:xfrm>
+            <a:off x="838200" y="365126"/>
+            <a:ext cx="10515600" cy="1309850"/>
+          </a:xfrm>
+        </p:spPr>
+        <p:txBody>
+          <a:bodyPr>
+            <a:normAutofit/>
+          </a:bodyPr>
+          <a:lstStyle/>
+          <a:p>
+            <a:r>
+              <a:rPr lang="ru-RU" b="1" dirty="0"/>
+              <a:t>Экранирование и спецсимволы в </a:t>
+            </a:r>
+            <a:r>
+              <a:rPr lang="ru-RU" b="1" dirty="0" smtClean="0"/>
+              <a:t>строке</a:t>
+            </a:r>
+            <a:endParaRPr lang="ru-RU" b="1" dirty="0"/>
+          </a:p>
+        </p:txBody>
+      </p:sp>
+      <p:pic>
+        <p:nvPicPr>
+          <p:cNvPr id="6" name="Объект 5"/>
+          <p:cNvPicPr>
+            <a:picLocks noGrp="1" noChangeAspect="1"/>
+          </p:cNvPicPr>
+          <p:nvPr>
+            <p:ph idx="1"/>
+          </p:nvPr>
+        </p:nvPicPr>
+        <p:blipFill>
+          <a:blip r:embed="rId2"/>
+          <a:stretch>
+            <a:fillRect/>
+          </a:stretch>
+        </p:blipFill>
+        <p:spPr>
+          <a:xfrm>
+            <a:off x="1057860" y="2392823"/>
+            <a:ext cx="10076280" cy="3036687"/>
+          </a:xfrm>
+          <a:prstGeom prst="rect">
+            <a:avLst/>
+          </a:prstGeom>
+        </p:spPr>
+      </p:pic>
+    </p:spTree>
+    <p:extLst>
+      <p:ext uri="{BB962C8B-B14F-4D97-AF65-F5344CB8AC3E}">
+        <p14:creationId xmlns:p14="http://schemas.microsoft.com/office/powerpoint/2010/main" val="3201108696"/>
       </p:ext>
     </p:extLst>
   </p:cSld>
@@ -6568,7 +6870,6 @@
               <a:rPr lang="ru-RU" dirty="0"/>
               <a:t> самостоятельно закрывает файл, и разработчику нет необходимости помнить об этом. И бонусом к этому не будут вызваны исключения при открытии файла (например, если файл не существует).</a:t>
             </a:r>
-            <a:endParaRPr lang="ru-RU" dirty="0"/>
           </a:p>
         </p:txBody>
       </p:sp>
